--- a/presentation/presentation.pptx
+++ b/presentation/presentation.pptx
@@ -27,6 +27,18 @@
     <p:sldId id="274" r:id="rId22"/>
     <p:sldId id="275" r:id="rId23"/>
     <p:sldId id="276" r:id="rId24"/>
+    <p:sldId id="277" r:id="rId25"/>
+    <p:sldId id="278" r:id="rId26"/>
+    <p:sldId id="279" r:id="rId27"/>
+    <p:sldId id="280" r:id="rId28"/>
+    <p:sldId id="281" r:id="rId29"/>
+    <p:sldId id="282" r:id="rId30"/>
+    <p:sldId id="283" r:id="rId31"/>
+    <p:sldId id="284" r:id="rId32"/>
+    <p:sldId id="285" r:id="rId33"/>
+    <p:sldId id="286" r:id="rId34"/>
+    <p:sldId id="287" r:id="rId35"/>
+    <p:sldId id="288" r:id="rId36"/>
   </p:sldIdLst>
   <p:sldSz cx="10077450" cy="5668963"/>
   <p:notesSz cx="7559675" cy="10691813"/>
@@ -3133,19 +3145,7 @@
               <a:rPr b="0" lang="en-US" sz="4400" spc="-1" strike="noStrike">
                 <a:latin typeface="Arial"/>
               </a:rPr>
-              <a:t>Click to edit </a:t>
-            </a:r>
-            <a:r>
-              <a:rPr b="0" lang="en-US" sz="4400" spc="-1" strike="noStrike">
-                <a:latin typeface="Arial"/>
-              </a:rPr>
-              <a:t>the title text </a:t>
-            </a:r>
-            <a:r>
-              <a:rPr b="0" lang="en-US" sz="4400" spc="-1" strike="noStrike">
-                <a:latin typeface="Arial"/>
-              </a:rPr>
-              <a:t>format</a:t>
+              <a:t>Click to edit the title text format</a:t>
             </a:r>
             <a:endParaRPr b="0" lang="en-US" sz="4400" spc="-1" strike="noStrike">
               <a:latin typeface="Arial"/>
@@ -3408,49 +3408,7 @@
               <a:rPr b="0" lang="en-US" sz="4400" spc="-1" strike="noStrike">
                 <a:latin typeface="Arial"/>
               </a:rPr>
-              <a:t>Clic</a:t>
-            </a:r>
-            <a:r>
-              <a:rPr b="0" lang="en-US" sz="4400" spc="-1" strike="noStrike">
-                <a:latin typeface="Arial"/>
-              </a:rPr>
-              <a:t>k to </a:t>
-            </a:r>
-            <a:r>
-              <a:rPr b="0" lang="en-US" sz="4400" spc="-1" strike="noStrike">
-                <a:latin typeface="Arial"/>
-              </a:rPr>
-              <a:t>edit </a:t>
-            </a:r>
-            <a:r>
-              <a:rPr b="0" lang="en-US" sz="4400" spc="-1" strike="noStrike">
-                <a:latin typeface="Arial"/>
-              </a:rPr>
-              <a:t>the </a:t>
-            </a:r>
-            <a:r>
-              <a:rPr b="0" lang="en-US" sz="4400" spc="-1" strike="noStrike">
-                <a:latin typeface="Arial"/>
-              </a:rPr>
-              <a:t>title </a:t>
-            </a:r>
-            <a:r>
-              <a:rPr b="0" lang="en-US" sz="4400" spc="-1" strike="noStrike">
-                <a:latin typeface="Arial"/>
-              </a:rPr>
-              <a:t>text </a:t>
-            </a:r>
-            <a:r>
-              <a:rPr b="0" lang="en-US" sz="4400" spc="-1" strike="noStrike">
-                <a:latin typeface="Arial"/>
-              </a:rPr>
-              <a:t>form</a:t>
-            </a:r>
-            <a:r>
-              <a:rPr b="0" lang="en-US" sz="4400" spc="-1" strike="noStrike">
-                <a:latin typeface="Arial"/>
-              </a:rPr>
-              <a:t>at</a:t>
+              <a:t>Click to edit the title text format</a:t>
             </a:r>
             <a:endParaRPr b="0" lang="en-US" sz="4400" spc="-1" strike="noStrike">
               <a:latin typeface="Arial"/>
@@ -3695,7 +3653,7 @@
         <p:spPr>
           <a:xfrm>
             <a:off x="503640" y="1326240"/>
-            <a:ext cx="9055800" cy="3275280"/>
+            <a:ext cx="9055080" cy="3274560"/>
           </a:xfrm>
           <a:prstGeom prst="rect">
             <a:avLst/>
@@ -3721,7 +3679,7 @@
         <p:spPr>
           <a:xfrm>
             <a:off x="3166560" y="2138400"/>
-            <a:ext cx="3918600" cy="543600"/>
+            <a:ext cx="3917880" cy="542880"/>
           </a:xfrm>
           <a:prstGeom prst="rect">
             <a:avLst/>
@@ -3804,14 +3762,14 @@
       </p:grpSpPr>
       <p:sp>
         <p:nvSpPr>
-          <p:cNvPr id="99" name=""/>
+          <p:cNvPr id="94" name=""/>
           <p:cNvSpPr/>
           <p:nvPr/>
         </p:nvSpPr>
         <p:spPr>
           <a:xfrm>
             <a:off x="503640" y="225720"/>
-            <a:ext cx="9055800" cy="933840"/>
+            <a:ext cx="9055080" cy="933120"/>
           </a:xfrm>
           <a:prstGeom prst="rect">
             <a:avLst/>
@@ -3830,14 +3788,14 @@
       </p:sp>
       <p:sp>
         <p:nvSpPr>
-          <p:cNvPr id="100" name=""/>
+          <p:cNvPr id="95" name=""/>
           <p:cNvSpPr/>
           <p:nvPr/>
         </p:nvSpPr>
         <p:spPr>
           <a:xfrm>
             <a:off x="503640" y="1326240"/>
-            <a:ext cx="9055800" cy="3275280"/>
+            <a:ext cx="9055080" cy="3274560"/>
           </a:xfrm>
           <a:prstGeom prst="rect">
             <a:avLst/>
@@ -3957,23 +3915,54 @@
           </a:p>
         </p:txBody>
       </p:sp>
-      <p:sp>
-        <p:nvSpPr>
-          <p:cNvPr id="101" name=""/>
+      <p:pic>
+        <p:nvPicPr>
+          <p:cNvPr id="96" name="" descr=""/>
+          <p:cNvPicPr/>
+          <p:nvPr/>
+        </p:nvPicPr>
+        <p:blipFill>
+          <a:blip r:embed="rId2"/>
+          <a:stretch/>
+        </p:blipFill>
+        <p:spPr>
+          <a:xfrm>
+            <a:off x="2970360" y="1117080"/>
+            <a:ext cx="3878280" cy="4311000"/>
+          </a:xfrm>
+          <a:prstGeom prst="rect">
+            <a:avLst/>
+          </a:prstGeom>
+          <a:ln w="0">
+            <a:noFill/>
+          </a:ln>
+        </p:spPr>
+      </p:pic>
+      <p:sp>
+        <p:nvSpPr>
+          <p:cNvPr id="97" name=""/>
           <p:cNvSpPr/>
           <p:nvPr/>
         </p:nvSpPr>
         <p:spPr>
           <a:xfrm>
-            <a:off x="503640" y="1326240"/>
-            <a:ext cx="9056520" cy="3276000"/>
-          </a:xfrm>
-          <a:prstGeom prst="rect">
-            <a:avLst/>
-          </a:prstGeom>
-          <a:noFill/>
-          <a:ln w="0">
-            <a:noFill/>
+            <a:off x="2057400" y="2514600"/>
+            <a:ext cx="1368000" cy="454680"/>
+          </a:xfrm>
+          <a:prstGeom prst="wedgeRoundRectCallout">
+            <a:avLst>
+              <a:gd name="adj1" fmla="val 80777"/>
+              <a:gd name="adj2" fmla="val -75649"/>
+              <a:gd name="adj3" fmla="val 16667"/>
+            </a:avLst>
+          </a:prstGeom>
+          <a:solidFill>
+            <a:srgbClr val="729fcf"/>
+          </a:solidFill>
+          <a:ln w="0">
+            <a:solidFill>
+              <a:srgbClr val="3465a4"/>
+            </a:solidFill>
           </a:ln>
         </p:spPr>
         <p:style>
@@ -3983,58 +3972,277 @@
           <a:fontRef idx="minor"/>
         </p:style>
         <p:txBody>
-          <a:bodyPr lIns="0" rIns="0" tIns="0" bIns="0" anchor="t">
-            <a:normAutofit/>
-          </a:bodyPr>
-          <a:p>
-            <a:pPr algn="ctr">
-              <a:lnSpc>
-                <a:spcPct val="100000"/>
-              </a:lnSpc>
-              <a:buNone/>
-              <a:tabLst>
-                <a:tab algn="l" pos="408240"/>
-              </a:tabLst>
-            </a:pPr>
-            <a:endParaRPr b="0" lang="en-US" sz="1800" spc="-1" strike="noStrike">
-              <a:latin typeface="Arial"/>
-            </a:endParaRPr>
-          </a:p>
-          <a:p>
-            <a:pPr algn="ctr">
-              <a:lnSpc>
-                <a:spcPct val="100000"/>
-              </a:lnSpc>
-              <a:buNone/>
-              <a:tabLst>
-                <a:tab algn="l" pos="408240"/>
-              </a:tabLst>
-            </a:pPr>
-            <a:endParaRPr b="0" lang="en-US" sz="1800" spc="-1" strike="noStrike">
-              <a:latin typeface="Arial"/>
-            </a:endParaRPr>
-          </a:p>
-          <a:p>
-            <a:pPr algn="ctr">
-              <a:lnSpc>
-                <a:spcPct val="100000"/>
-              </a:lnSpc>
-              <a:buNone/>
-              <a:tabLst>
-                <a:tab algn="l" pos="408240"/>
-              </a:tabLst>
+          <a:bodyPr lIns="90000" rIns="90000" tIns="45000" bIns="45000" anchor="ctr">
+            <a:noAutofit/>
+          </a:bodyPr>
+          <a:p>
+            <a:pPr algn="ctr">
+              <a:lnSpc>
+                <a:spcPct val="100000"/>
+              </a:lnSpc>
+              <a:buNone/>
             </a:pPr>
             <a:r>
-              <a:rPr b="1" lang="en-US" sz="3200" spc="-1" strike="noStrike">
+              <a:rPr b="0" lang="en-US" sz="1800" spc="-1" strike="noStrike">
                 <a:solidFill>
                   <a:srgbClr val="000000"/>
                 </a:solidFill>
                 <a:latin typeface="Arial"/>
-                <a:ea typeface="Microsoft YaHei"/>
+                <a:ea typeface="DejaVu Sans"/>
               </a:rPr>
-              <a:t>Query operators</a:t>
+              <a:t>Key/Value</a:t>
             </a:r>
-            <a:endParaRPr b="0" lang="en-US" sz="3200" spc="-1" strike="noStrike">
+            <a:endParaRPr b="0" lang="en-US" sz="1800" spc="-1" strike="noStrike">
+              <a:latin typeface="Arial"/>
+            </a:endParaRPr>
+          </a:p>
+        </p:txBody>
+      </p:sp>
+      <p:sp>
+        <p:nvSpPr>
+          <p:cNvPr id="98" name=""/>
+          <p:cNvSpPr/>
+          <p:nvPr/>
+        </p:nvSpPr>
+        <p:spPr>
+          <a:xfrm>
+            <a:off x="6629400" y="1828800"/>
+            <a:ext cx="2053800" cy="453600"/>
+          </a:xfrm>
+          <a:prstGeom prst="wedgeRoundRectCallout">
+            <a:avLst>
+              <a:gd name="adj1" fmla="val -123703"/>
+              <a:gd name="adj2" fmla="val 65810"/>
+              <a:gd name="adj3" fmla="val 16667"/>
+            </a:avLst>
+          </a:prstGeom>
+          <a:solidFill>
+            <a:srgbClr val="729fcf"/>
+          </a:solidFill>
+          <a:ln w="0">
+            <a:solidFill>
+              <a:srgbClr val="3465a4"/>
+            </a:solidFill>
+          </a:ln>
+        </p:spPr>
+        <p:style>
+          <a:lnRef idx="0"/>
+          <a:fillRef idx="0"/>
+          <a:effectRef idx="0"/>
+          <a:fontRef idx="minor"/>
+        </p:style>
+        <p:txBody>
+          <a:bodyPr lIns="90000" rIns="90000" tIns="45000" bIns="45000" anchor="ctr">
+            <a:noAutofit/>
+          </a:bodyPr>
+          <a:p>
+            <a:pPr algn="ctr">
+              <a:lnSpc>
+                <a:spcPct val="100000"/>
+              </a:lnSpc>
+              <a:buNone/>
+            </a:pPr>
+            <a:r>
+              <a:rPr b="0" lang="en-US" sz="1800" spc="-1" strike="noStrike">
+                <a:solidFill>
+                  <a:srgbClr val="000000"/>
+                </a:solidFill>
+                <a:latin typeface="Arial"/>
+                <a:ea typeface="DejaVu Sans"/>
+              </a:rPr>
+              <a:t>String/Num/Bool</a:t>
+            </a:r>
+            <a:endParaRPr b="0" lang="en-US" sz="1800" spc="-1" strike="noStrike">
+              <a:latin typeface="Arial"/>
+            </a:endParaRPr>
+          </a:p>
+        </p:txBody>
+      </p:sp>
+      <p:sp>
+        <p:nvSpPr>
+          <p:cNvPr id="99" name=""/>
+          <p:cNvSpPr/>
+          <p:nvPr/>
+        </p:nvSpPr>
+        <p:spPr>
+          <a:xfrm>
+            <a:off x="6629400" y="2514600"/>
+            <a:ext cx="2053800" cy="453600"/>
+          </a:xfrm>
+          <a:prstGeom prst="wedgeRoundRectCallout">
+            <a:avLst>
+              <a:gd name="adj1" fmla="val -117087"/>
+              <a:gd name="adj2" fmla="val 30643"/>
+              <a:gd name="adj3" fmla="val 16667"/>
+            </a:avLst>
+          </a:prstGeom>
+          <a:solidFill>
+            <a:srgbClr val="729fcf"/>
+          </a:solidFill>
+          <a:ln w="0">
+            <a:solidFill>
+              <a:srgbClr val="3465a4"/>
+            </a:solidFill>
+          </a:ln>
+        </p:spPr>
+        <p:style>
+          <a:lnRef idx="0"/>
+          <a:fillRef idx="0"/>
+          <a:effectRef idx="0"/>
+          <a:fontRef idx="minor"/>
+        </p:style>
+        <p:txBody>
+          <a:bodyPr lIns="90000" rIns="90000" tIns="45000" bIns="45000" anchor="ctr">
+            <a:noAutofit/>
+          </a:bodyPr>
+          <a:p>
+            <a:pPr algn="ctr">
+              <a:lnSpc>
+                <a:spcPct val="100000"/>
+              </a:lnSpc>
+              <a:buNone/>
+            </a:pPr>
+            <a:r>
+              <a:rPr b="0" lang="en-US" sz="1800" spc="-1" strike="noStrike">
+                <a:solidFill>
+                  <a:srgbClr val="000000"/>
+                </a:solidFill>
+                <a:latin typeface="Arial"/>
+                <a:ea typeface="DejaVu Sans"/>
+              </a:rPr>
+              <a:t> </a:t>
+            </a:r>
+            <a:r>
+              <a:rPr b="0" lang="en-US" sz="1800" spc="-1" strike="noStrike">
+                <a:solidFill>
+                  <a:srgbClr val="000000"/>
+                </a:solidFill>
+                <a:latin typeface="Arial"/>
+                <a:ea typeface="DejaVu Sans"/>
+              </a:rPr>
+              <a:t>Array</a:t>
+            </a:r>
+            <a:endParaRPr b="0" lang="en-US" sz="1800" spc="-1" strike="noStrike">
+              <a:latin typeface="Arial"/>
+            </a:endParaRPr>
+          </a:p>
+        </p:txBody>
+      </p:sp>
+      <p:sp>
+        <p:nvSpPr>
+          <p:cNvPr id="100" name=""/>
+          <p:cNvSpPr/>
+          <p:nvPr/>
+        </p:nvSpPr>
+        <p:spPr>
+          <a:xfrm>
+            <a:off x="6629400" y="3200400"/>
+            <a:ext cx="2053800" cy="453600"/>
+          </a:xfrm>
+          <a:prstGeom prst="wedgeRoundRectCallout">
+            <a:avLst>
+              <a:gd name="adj1" fmla="val -170310"/>
+              <a:gd name="adj2" fmla="val 69037"/>
+              <a:gd name="adj3" fmla="val 16667"/>
+            </a:avLst>
+          </a:prstGeom>
+          <a:solidFill>
+            <a:srgbClr val="729fcf"/>
+          </a:solidFill>
+          <a:ln w="0">
+            <a:solidFill>
+              <a:srgbClr val="3465a4"/>
+            </a:solidFill>
+          </a:ln>
+        </p:spPr>
+        <p:style>
+          <a:lnRef idx="0"/>
+          <a:fillRef idx="0"/>
+          <a:effectRef idx="0"/>
+          <a:fontRef idx="minor"/>
+        </p:style>
+        <p:txBody>
+          <a:bodyPr lIns="90000" rIns="90000" tIns="45000" bIns="45000" anchor="ctr">
+            <a:noAutofit/>
+          </a:bodyPr>
+          <a:p>
+            <a:pPr algn="ctr">
+              <a:lnSpc>
+                <a:spcPct val="100000"/>
+              </a:lnSpc>
+              <a:buNone/>
+            </a:pPr>
+            <a:r>
+              <a:rPr b="0" lang="en-US" sz="1800" spc="-1" strike="noStrike">
+                <a:solidFill>
+                  <a:srgbClr val="000000"/>
+                </a:solidFill>
+                <a:latin typeface="Arial"/>
+                <a:ea typeface="DejaVu Sans"/>
+              </a:rPr>
+              <a:t>Object</a:t>
+            </a:r>
+            <a:endParaRPr b="0" lang="en-US" sz="1800" spc="-1" strike="noStrike">
+              <a:latin typeface="Arial"/>
+            </a:endParaRPr>
+          </a:p>
+        </p:txBody>
+      </p:sp>
+      <p:sp>
+        <p:nvSpPr>
+          <p:cNvPr id="101" name=""/>
+          <p:cNvSpPr/>
+          <p:nvPr/>
+        </p:nvSpPr>
+        <p:spPr>
+          <a:xfrm>
+            <a:off x="2057400" y="1828800"/>
+            <a:ext cx="1368000" cy="453600"/>
+          </a:xfrm>
+          <a:prstGeom prst="wedgeRoundRectCallout">
+            <a:avLst>
+              <a:gd name="adj1" fmla="val 70929"/>
+              <a:gd name="adj2" fmla="val 27602"/>
+              <a:gd name="adj3" fmla="val 16667"/>
+            </a:avLst>
+          </a:prstGeom>
+          <a:solidFill>
+            <a:srgbClr val="729fcf"/>
+          </a:solidFill>
+          <a:ln w="0">
+            <a:solidFill>
+              <a:srgbClr val="3465a4"/>
+            </a:solidFill>
+          </a:ln>
+        </p:spPr>
+        <p:style>
+          <a:lnRef idx="0"/>
+          <a:fillRef idx="0"/>
+          <a:effectRef idx="0"/>
+          <a:fontRef idx="minor"/>
+        </p:style>
+        <p:txBody>
+          <a:bodyPr lIns="90000" rIns="90000" tIns="45000" bIns="45000" anchor="ctr">
+            <a:noAutofit/>
+          </a:bodyPr>
+          <a:p>
+            <a:pPr algn="ctr">
+              <a:lnSpc>
+                <a:spcPct val="100000"/>
+              </a:lnSpc>
+              <a:buNone/>
+            </a:pPr>
+            <a:r>
+              <a:rPr b="0" lang="en-US" sz="1800" spc="-1" strike="noStrike">
+                <a:solidFill>
+                  <a:srgbClr val="000000"/>
+                </a:solidFill>
+                <a:latin typeface="Arial"/>
+                <a:ea typeface="DejaVu Sans"/>
+              </a:rPr>
+              <a:t>Root</a:t>
+            </a:r>
+            <a:endParaRPr b="0" lang="en-US" sz="1800" spc="-1" strike="noStrike">
               <a:latin typeface="Arial"/>
             </a:endParaRPr>
           </a:p>
@@ -4087,7 +4295,7 @@
         <p:spPr>
           <a:xfrm>
             <a:off x="503640" y="225720"/>
-            <a:ext cx="9055800" cy="933840"/>
+            <a:ext cx="9055080" cy="933120"/>
           </a:xfrm>
           <a:prstGeom prst="rect">
             <a:avLst/>
@@ -4112,8 +4320,8 @@
         </p:nvSpPr>
         <p:spPr>
           <a:xfrm>
-            <a:off x="1646280" y="4341960"/>
-            <a:ext cx="7257960" cy="309960"/>
+            <a:off x="503640" y="1326240"/>
+            <a:ext cx="9055080" cy="3274560"/>
           </a:xfrm>
           <a:prstGeom prst="rect">
             <a:avLst/>
@@ -4129,6 +4337,32 @@
           <a:effectRef idx="0"/>
           <a:fontRef idx="minor"/>
         </p:style>
+      </p:sp>
+      <p:sp>
+        <p:nvSpPr>
+          <p:cNvPr id="104" name=""/>
+          <p:cNvSpPr/>
+          <p:nvPr/>
+        </p:nvSpPr>
+        <p:spPr>
+          <a:xfrm>
+            <a:off x="1646280" y="4341960"/>
+            <a:ext cx="7257240" cy="309240"/>
+          </a:xfrm>
+          <a:prstGeom prst="rect">
+            <a:avLst/>
+          </a:prstGeom>
+          <a:noFill/>
+          <a:ln w="0">
+            <a:noFill/>
+          </a:ln>
+        </p:spPr>
+        <p:style>
+          <a:lnRef idx="0"/>
+          <a:fillRef idx="0"/>
+          <a:effectRef idx="0"/>
+          <a:fontRef idx="minor"/>
+        </p:style>
         <p:txBody>
           <a:bodyPr lIns="90000" rIns="90000" tIns="45000" bIns="45000" anchor="t">
             <a:noAutofit/>
@@ -4163,21 +4397,72 @@
           </a:p>
         </p:txBody>
       </p:sp>
+      <p:sp>
+        <p:nvSpPr>
+          <p:cNvPr id="105" name=""/>
+          <p:cNvSpPr/>
+          <p:nvPr/>
+        </p:nvSpPr>
+        <p:spPr>
+          <a:xfrm>
+            <a:off x="5715000" y="1742400"/>
+            <a:ext cx="3924360" cy="540000"/>
+          </a:xfrm>
+          <a:prstGeom prst="rect">
+            <a:avLst/>
+          </a:prstGeom>
+          <a:noFill/>
+          <a:ln w="0">
+            <a:noFill/>
+          </a:ln>
+        </p:spPr>
+        <p:style>
+          <a:lnRef idx="0"/>
+          <a:fillRef idx="0"/>
+          <a:effectRef idx="0"/>
+          <a:fontRef idx="minor"/>
+        </p:style>
+        <p:txBody>
+          <a:bodyPr lIns="90000" rIns="90000" tIns="45000" bIns="45000" anchor="t">
+            <a:noAutofit/>
+          </a:bodyPr>
+          <a:p>
+            <a:pPr>
+              <a:lnSpc>
+                <a:spcPct val="100000"/>
+              </a:lnSpc>
+              <a:buNone/>
+            </a:pPr>
+            <a:r>
+              <a:rPr b="0" lang="en-US" sz="3200" spc="-1" strike="noStrike">
+                <a:solidFill>
+                  <a:srgbClr val="000000"/>
+                </a:solidFill>
+                <a:latin typeface="Arial"/>
+                <a:ea typeface="Microsoft YaHei"/>
+              </a:rPr>
+              <a:t>MongoTemplate</a:t>
+            </a:r>
+            <a:endParaRPr b="0" lang="en-US" sz="3200" spc="-1" strike="noStrike">
+              <a:latin typeface="Arial"/>
+            </a:endParaRPr>
+          </a:p>
+        </p:txBody>
+      </p:sp>
       <p:pic>
         <p:nvPicPr>
-          <p:cNvPr id="104" name="" descr=""/>
+          <p:cNvPr id="106" name="" descr=""/>
           <p:cNvPicPr/>
           <p:nvPr/>
         </p:nvPicPr>
         <p:blipFill>
           <a:blip r:embed="rId2"/>
-          <a:srcRect l="0" t="0" r="0" b="13"/>
           <a:stretch/>
         </p:blipFill>
         <p:spPr>
           <a:xfrm>
-            <a:off x="228240" y="2514600"/>
-            <a:ext cx="4746960" cy="2964600"/>
+            <a:off x="5029200" y="2576880"/>
+            <a:ext cx="4848840" cy="2908800"/>
           </a:xfrm>
           <a:prstGeom prst="rect">
             <a:avLst/>
@@ -4189,7 +4474,7 @@
       </p:pic>
       <p:pic>
         <p:nvPicPr>
-          <p:cNvPr id="105" name="" descr=""/>
+          <p:cNvPr id="107" name="" descr=""/>
           <p:cNvPicPr/>
           <p:nvPr/>
         </p:nvPicPr>
@@ -4199,8 +4484,8 @@
         </p:blipFill>
         <p:spPr>
           <a:xfrm>
-            <a:off x="4978080" y="2514600"/>
-            <a:ext cx="4848840" cy="2964600"/>
+            <a:off x="256320" y="2576880"/>
+            <a:ext cx="4769280" cy="2905920"/>
           </a:xfrm>
           <a:prstGeom prst="rect">
             <a:avLst/>
@@ -4212,14 +4497,14 @@
       </p:pic>
       <p:sp>
         <p:nvSpPr>
-          <p:cNvPr id="106" name=""/>
+          <p:cNvPr id="108" name=""/>
           <p:cNvSpPr/>
           <p:nvPr/>
         </p:nvSpPr>
         <p:spPr>
           <a:xfrm>
             <a:off x="914400" y="1740600"/>
-            <a:ext cx="3335760" cy="540720"/>
+            <a:ext cx="3335040" cy="540000"/>
           </a:xfrm>
           <a:prstGeom prst="rect">
             <a:avLst/>
@@ -4265,58 +4550,6 @@
                 <a:ea typeface="Microsoft YaHei"/>
               </a:rPr>
               <a:t>MongoDB Shell</a:t>
-            </a:r>
-            <a:endParaRPr b="0" lang="en-US" sz="3200" spc="-1" strike="noStrike">
-              <a:latin typeface="Arial"/>
-            </a:endParaRPr>
-          </a:p>
-        </p:txBody>
-      </p:sp>
-      <p:sp>
-        <p:nvSpPr>
-          <p:cNvPr id="107" name=""/>
-          <p:cNvSpPr/>
-          <p:nvPr/>
-        </p:nvSpPr>
-        <p:spPr>
-          <a:xfrm>
-            <a:off x="5715000" y="1742400"/>
-            <a:ext cx="3925080" cy="540720"/>
-          </a:xfrm>
-          <a:prstGeom prst="rect">
-            <a:avLst/>
-          </a:prstGeom>
-          <a:noFill/>
-          <a:ln w="0">
-            <a:noFill/>
-          </a:ln>
-        </p:spPr>
-        <p:style>
-          <a:lnRef idx="0"/>
-          <a:fillRef idx="0"/>
-          <a:effectRef idx="0"/>
-          <a:fontRef idx="minor"/>
-        </p:style>
-        <p:txBody>
-          <a:bodyPr lIns="90000" rIns="90000" tIns="45000" bIns="45000" anchor="t">
-            <a:noAutofit/>
-          </a:bodyPr>
-          <a:p>
-            <a:pPr>
-              <a:lnSpc>
-                <a:spcPct val="100000"/>
-              </a:lnSpc>
-              <a:buNone/>
-            </a:pPr>
-            <a:r>
-              <a:rPr b="0" lang="en-US" sz="3200" spc="-1" strike="noStrike">
-                <a:solidFill>
-                  <a:srgbClr val="000000"/>
-                </a:solidFill>
-                <a:latin typeface="Arial"/>
-                <a:ea typeface="Microsoft YaHei"/>
-              </a:rPr>
-              <a:t>Java (Spring-Data)</a:t>
             </a:r>
             <a:endParaRPr b="0" lang="en-US" sz="3200" spc="-1" strike="noStrike">
               <a:latin typeface="Arial"/>
@@ -4364,14 +4597,14 @@
       </p:grpSpPr>
       <p:sp>
         <p:nvSpPr>
-          <p:cNvPr id="108" name=""/>
+          <p:cNvPr id="109" name=""/>
           <p:cNvSpPr/>
           <p:nvPr/>
         </p:nvSpPr>
         <p:spPr>
           <a:xfrm>
             <a:off x="503640" y="225720"/>
-            <a:ext cx="9055800" cy="933840"/>
+            <a:ext cx="9055080" cy="933120"/>
           </a:xfrm>
           <a:prstGeom prst="rect">
             <a:avLst/>
@@ -4390,14 +4623,14 @@
       </p:sp>
       <p:sp>
         <p:nvSpPr>
-          <p:cNvPr id="109" name=""/>
+          <p:cNvPr id="110" name=""/>
           <p:cNvSpPr/>
           <p:nvPr/>
         </p:nvSpPr>
         <p:spPr>
           <a:xfrm>
             <a:off x="503640" y="1326240"/>
-            <a:ext cx="9055800" cy="3275280"/>
+            <a:ext cx="9055080" cy="3274560"/>
           </a:xfrm>
           <a:prstGeom prst="rect">
             <a:avLst/>
@@ -4519,14 +4752,14 @@
       </p:sp>
       <p:sp>
         <p:nvSpPr>
-          <p:cNvPr id="110" name=""/>
+          <p:cNvPr id="111" name=""/>
           <p:cNvSpPr/>
           <p:nvPr/>
         </p:nvSpPr>
         <p:spPr>
           <a:xfrm>
             <a:off x="503640" y="1326240"/>
-            <a:ext cx="9056520" cy="3276000"/>
+            <a:ext cx="9055800" cy="3275280"/>
           </a:xfrm>
           <a:prstGeom prst="rect">
             <a:avLst/>
@@ -4592,7 +4825,7 @@
                 <a:latin typeface="Arial"/>
                 <a:ea typeface="Microsoft YaHei"/>
               </a:rPr>
-              <a:t>Update operators</a:t>
+              <a:t>Query operators</a:t>
             </a:r>
             <a:endParaRPr b="0" lang="en-US" sz="3200" spc="-1" strike="noStrike">
               <a:latin typeface="Arial"/>
@@ -4640,14 +4873,14 @@
       </p:grpSpPr>
       <p:sp>
         <p:nvSpPr>
-          <p:cNvPr id="111" name=""/>
+          <p:cNvPr id="112" name=""/>
           <p:cNvSpPr/>
           <p:nvPr/>
         </p:nvSpPr>
         <p:spPr>
           <a:xfrm>
-            <a:off x="503640" y="225720"/>
-            <a:ext cx="9055800" cy="933840"/>
+            <a:off x="1646280" y="4341960"/>
+            <a:ext cx="7257240" cy="309240"/>
           </a:xfrm>
           <a:prstGeom prst="rect">
             <a:avLst/>
@@ -4663,32 +4896,39 @@
           <a:effectRef idx="0"/>
           <a:fontRef idx="minor"/>
         </p:style>
-      </p:sp>
-      <p:sp>
-        <p:nvSpPr>
-          <p:cNvPr id="112" name=""/>
-          <p:cNvSpPr/>
-          <p:nvPr/>
-        </p:nvSpPr>
-        <p:spPr>
-          <a:xfrm>
-            <a:off x="503640" y="1326240"/>
-            <a:ext cx="9055800" cy="3275280"/>
-          </a:xfrm>
-          <a:prstGeom prst="rect">
-            <a:avLst/>
-          </a:prstGeom>
-          <a:noFill/>
-          <a:ln w="0">
-            <a:noFill/>
-          </a:ln>
-        </p:spPr>
-        <p:style>
-          <a:lnRef idx="0"/>
-          <a:fillRef idx="0"/>
-          <a:effectRef idx="0"/>
-          <a:fontRef idx="minor"/>
-        </p:style>
+        <p:txBody>
+          <a:bodyPr lIns="90000" rIns="90000" tIns="45000" bIns="45000" anchor="t">
+            <a:noAutofit/>
+          </a:bodyPr>
+          <a:p>
+            <a:pPr>
+              <a:lnSpc>
+                <a:spcPct val="100000"/>
+              </a:lnSpc>
+              <a:buNone/>
+              <a:tabLst>
+                <a:tab algn="l" pos="408240"/>
+              </a:tabLst>
+            </a:pPr>
+            <a:endParaRPr b="0" lang="en-US" sz="1600" spc="-1" strike="noStrike">
+              <a:latin typeface="Arial"/>
+            </a:endParaRPr>
+          </a:p>
+          <a:p>
+            <a:pPr>
+              <a:lnSpc>
+                <a:spcPct val="100000"/>
+              </a:lnSpc>
+              <a:buNone/>
+              <a:tabLst>
+                <a:tab algn="l" pos="408240"/>
+              </a:tabLst>
+            </a:pPr>
+            <a:endParaRPr b="0" lang="en-US" sz="1600" spc="-1" strike="noStrike">
+              <a:latin typeface="Arial"/>
+            </a:endParaRPr>
+          </a:p>
+        </p:txBody>
       </p:sp>
       <p:sp>
         <p:nvSpPr>
@@ -4698,165 +4938,8 @@
         </p:nvSpPr>
         <p:spPr>
           <a:xfrm>
-            <a:off x="1646280" y="4341960"/>
-            <a:ext cx="7257960" cy="309960"/>
-          </a:xfrm>
-          <a:prstGeom prst="rect">
-            <a:avLst/>
-          </a:prstGeom>
-          <a:noFill/>
-          <a:ln w="0">
-            <a:noFill/>
-          </a:ln>
-        </p:spPr>
-        <p:style>
-          <a:lnRef idx="0"/>
-          <a:fillRef idx="0"/>
-          <a:effectRef idx="0"/>
-          <a:fontRef idx="minor"/>
-        </p:style>
-        <p:txBody>
-          <a:bodyPr lIns="90000" rIns="90000" tIns="45000" bIns="45000" anchor="t">
-            <a:noAutofit/>
-          </a:bodyPr>
-          <a:p>
-            <a:pPr>
-              <a:lnSpc>
-                <a:spcPct val="100000"/>
-              </a:lnSpc>
-              <a:buNone/>
-              <a:tabLst>
-                <a:tab algn="l" pos="408240"/>
-              </a:tabLst>
-            </a:pPr>
-            <a:endParaRPr b="0" lang="en-US" sz="1600" spc="-1" strike="noStrike">
-              <a:latin typeface="Arial"/>
-            </a:endParaRPr>
-          </a:p>
-          <a:p>
-            <a:pPr>
-              <a:lnSpc>
-                <a:spcPct val="100000"/>
-              </a:lnSpc>
-              <a:buNone/>
-              <a:tabLst>
-                <a:tab algn="l" pos="408240"/>
-              </a:tabLst>
-            </a:pPr>
-            <a:endParaRPr b="0" lang="en-US" sz="1600" spc="-1" strike="noStrike">
-              <a:latin typeface="Arial"/>
-            </a:endParaRPr>
-          </a:p>
-        </p:txBody>
-      </p:sp>
-      <p:sp>
-        <p:nvSpPr>
-          <p:cNvPr id="114" name=""/>
-          <p:cNvSpPr/>
-          <p:nvPr/>
-        </p:nvSpPr>
-        <p:spPr>
-          <a:xfrm>
-            <a:off x="5715000" y="1742400"/>
-            <a:ext cx="3925080" cy="540720"/>
-          </a:xfrm>
-          <a:prstGeom prst="rect">
-            <a:avLst/>
-          </a:prstGeom>
-          <a:noFill/>
-          <a:ln w="0">
-            <a:noFill/>
-          </a:ln>
-        </p:spPr>
-        <p:style>
-          <a:lnRef idx="0"/>
-          <a:fillRef idx="0"/>
-          <a:effectRef idx="0"/>
-          <a:fontRef idx="minor"/>
-        </p:style>
-        <p:txBody>
-          <a:bodyPr lIns="90000" rIns="90000" tIns="45000" bIns="45000" anchor="t">
-            <a:noAutofit/>
-          </a:bodyPr>
-          <a:p>
-            <a:pPr>
-              <a:lnSpc>
-                <a:spcPct val="100000"/>
-              </a:lnSpc>
-              <a:buNone/>
-            </a:pPr>
-            <a:r>
-              <a:rPr b="0" lang="en-US" sz="3200" spc="-1" strike="noStrike">
-                <a:solidFill>
-                  <a:srgbClr val="000000"/>
-                </a:solidFill>
-                <a:latin typeface="Arial"/>
-                <a:ea typeface="Microsoft YaHei"/>
-              </a:rPr>
-              <a:t>Java (Spring-Data)</a:t>
-            </a:r>
-            <a:endParaRPr b="0" lang="en-US" sz="3200" spc="-1" strike="noStrike">
-              <a:latin typeface="Arial"/>
-            </a:endParaRPr>
-          </a:p>
-        </p:txBody>
-      </p:sp>
-      <p:pic>
-        <p:nvPicPr>
-          <p:cNvPr id="115" name="" descr=""/>
-          <p:cNvPicPr/>
-          <p:nvPr/>
-        </p:nvPicPr>
-        <p:blipFill>
-          <a:blip r:embed="rId2"/>
-          <a:stretch/>
-        </p:blipFill>
-        <p:spPr>
-          <a:xfrm>
-            <a:off x="5029200" y="2576880"/>
-            <a:ext cx="4849560" cy="2909520"/>
-          </a:xfrm>
-          <a:prstGeom prst="rect">
-            <a:avLst/>
-          </a:prstGeom>
-          <a:ln w="0">
-            <a:noFill/>
-          </a:ln>
-        </p:spPr>
-      </p:pic>
-      <p:pic>
-        <p:nvPicPr>
-          <p:cNvPr id="116" name="" descr=""/>
-          <p:cNvPicPr/>
-          <p:nvPr/>
-        </p:nvPicPr>
-        <p:blipFill>
-          <a:blip r:embed="rId3"/>
-          <a:stretch/>
-        </p:blipFill>
-        <p:spPr>
-          <a:xfrm>
-            <a:off x="256320" y="2576880"/>
-            <a:ext cx="4770000" cy="2906640"/>
-          </a:xfrm>
-          <a:prstGeom prst="rect">
-            <a:avLst/>
-          </a:prstGeom>
-          <a:ln w="0">
-            <a:noFill/>
-          </a:ln>
-        </p:spPr>
-      </p:pic>
-      <p:sp>
-        <p:nvSpPr>
-          <p:cNvPr id="117" name=""/>
-          <p:cNvSpPr/>
-          <p:nvPr/>
-        </p:nvSpPr>
-        <p:spPr>
-          <a:xfrm>
             <a:off x="914400" y="1740600"/>
-            <a:ext cx="3335760" cy="540720"/>
+            <a:ext cx="3335040" cy="540000"/>
           </a:xfrm>
           <a:prstGeom prst="rect">
             <a:avLst/>
@@ -4909,6 +4992,81 @@
           </a:p>
         </p:txBody>
       </p:sp>
+      <p:sp>
+        <p:nvSpPr>
+          <p:cNvPr id="114" name=""/>
+          <p:cNvSpPr/>
+          <p:nvPr/>
+        </p:nvSpPr>
+        <p:spPr>
+          <a:xfrm>
+            <a:off x="3200400" y="1517040"/>
+            <a:ext cx="3428640" cy="540000"/>
+          </a:xfrm>
+          <a:prstGeom prst="rect">
+            <a:avLst/>
+          </a:prstGeom>
+          <a:noFill/>
+          <a:ln w="0">
+            <a:noFill/>
+          </a:ln>
+        </p:spPr>
+        <p:style>
+          <a:lnRef idx="0"/>
+          <a:fillRef idx="0"/>
+          <a:effectRef idx="0"/>
+          <a:fontRef idx="minor"/>
+        </p:style>
+        <p:txBody>
+          <a:bodyPr lIns="90000" rIns="90000" tIns="45000" bIns="45000" anchor="t">
+            <a:noAutofit/>
+          </a:bodyPr>
+          <a:p>
+            <a:pPr>
+              <a:lnSpc>
+                <a:spcPct val="100000"/>
+              </a:lnSpc>
+              <a:buNone/>
+            </a:pPr>
+            <a:r>
+              <a:rPr b="1" lang="en-US" sz="3200" spc="-1" strike="noStrike">
+                <a:solidFill>
+                  <a:srgbClr val="000000"/>
+                </a:solidFill>
+                <a:latin typeface="Arial"/>
+                <a:ea typeface="Microsoft YaHei"/>
+              </a:rPr>
+              <a:t>MongoTemplate</a:t>
+            </a:r>
+            <a:endParaRPr b="0" lang="en-US" sz="3200" spc="-1" strike="noStrike">
+              <a:latin typeface="Arial"/>
+            </a:endParaRPr>
+          </a:p>
+        </p:txBody>
+      </p:sp>
+      <p:pic>
+        <p:nvPicPr>
+          <p:cNvPr id="115" name="" descr=""/>
+          <p:cNvPicPr/>
+          <p:nvPr/>
+        </p:nvPicPr>
+        <p:blipFill>
+          <a:blip r:embed="rId2"/>
+          <a:stretch/>
+        </p:blipFill>
+        <p:spPr>
+          <a:xfrm>
+            <a:off x="0" y="1600200"/>
+            <a:ext cx="10076760" cy="2908800"/>
+          </a:xfrm>
+          <a:prstGeom prst="rect">
+            <a:avLst/>
+          </a:prstGeom>
+          <a:ln w="0">
+            <a:noFill/>
+          </a:ln>
+        </p:spPr>
+      </p:pic>
     </p:spTree>
   </p:cSld>
   <mc:AlternateContent>
@@ -4949,14 +5107,14 @@
       </p:grpSpPr>
       <p:sp>
         <p:nvSpPr>
-          <p:cNvPr id="118" name=""/>
+          <p:cNvPr id="116" name=""/>
           <p:cNvSpPr/>
           <p:nvPr/>
         </p:nvSpPr>
         <p:spPr>
           <a:xfrm>
-            <a:off x="503640" y="1371240"/>
-            <a:ext cx="9056520" cy="3276000"/>
+            <a:off x="1646280" y="4341960"/>
+            <a:ext cx="7257240" cy="309240"/>
           </a:xfrm>
           <a:prstGeom prst="rect">
             <a:avLst/>
@@ -4973,180 +5131,114 @@
           <a:fontRef idx="minor"/>
         </p:style>
         <p:txBody>
-          <a:bodyPr lIns="0" rIns="0" tIns="0" bIns="0" anchor="t">
-            <a:normAutofit/>
+          <a:bodyPr lIns="90000" rIns="90000" tIns="45000" bIns="45000" anchor="t">
+            <a:noAutofit/>
           </a:bodyPr>
           <a:p>
             <a:pPr>
               <a:lnSpc>
                 <a:spcPct val="100000"/>
               </a:lnSpc>
-              <a:spcBef>
-                <a:spcPts val="1417"/>
-              </a:spcBef>
-              <a:buNone/>
-              <a:tabLst>
-                <a:tab algn="l" pos="408240"/>
-              </a:tabLst>
-            </a:pPr>
-            <a:endParaRPr b="0" lang="en-US" sz="1800" spc="-1" strike="noStrike">
-              <a:latin typeface="Arial"/>
-            </a:endParaRPr>
-          </a:p>
-          <a:p>
-            <a:pPr algn="ctr">
-              <a:lnSpc>
-                <a:spcPct val="100000"/>
-              </a:lnSpc>
-              <a:spcBef>
-                <a:spcPts val="1417"/>
-              </a:spcBef>
-              <a:buNone/>
-              <a:tabLst>
-                <a:tab algn="l" pos="408240"/>
-              </a:tabLst>
-            </a:pPr>
-            <a:r>
-              <a:rPr b="1" lang="en-US" sz="3200" spc="-1" strike="noStrike">
-                <a:solidFill>
-                  <a:srgbClr val="000000"/>
-                </a:solidFill>
-                <a:latin typeface="Arial"/>
-                <a:ea typeface="DejaVu Sans"/>
-              </a:rPr>
-              <a:t>Aggregate pipelines</a:t>
-            </a:r>
-            <a:endParaRPr b="0" lang="en-US" sz="3200" spc="-1" strike="noStrike">
-              <a:latin typeface="Arial"/>
-            </a:endParaRPr>
-          </a:p>
-          <a:p>
-            <a:pPr algn="ctr">
-              <a:lnSpc>
-                <a:spcPct val="100000"/>
-              </a:lnSpc>
-              <a:spcBef>
-                <a:spcPts val="850"/>
-              </a:spcBef>
-              <a:buNone/>
-              <a:tabLst>
-                <a:tab algn="l" pos="408240"/>
-              </a:tabLst>
-            </a:pPr>
-            <a:r>
-              <a:rPr b="0" lang="en-US" sz="2000" spc="-1" strike="noStrike">
-                <a:solidFill>
-                  <a:srgbClr val="000000"/>
-                </a:solidFill>
-                <a:latin typeface="Arial"/>
-                <a:ea typeface="DejaVu Sans"/>
-              </a:rPr>
-              <a:t>Multi-stage pipelines that transform documents into aggregated results</a:t>
-            </a:r>
-            <a:endParaRPr b="0" lang="en-US" sz="2000" spc="-1" strike="noStrike">
-              <a:latin typeface="Arial"/>
-            </a:endParaRPr>
-          </a:p>
-          <a:p>
-            <a:pPr algn="ctr">
-              <a:lnSpc>
-                <a:spcPct val="100000"/>
-              </a:lnSpc>
-              <a:spcBef>
-                <a:spcPts val="850"/>
-              </a:spcBef>
-              <a:buNone/>
-              <a:tabLst>
-                <a:tab algn="l" pos="408240"/>
-              </a:tabLst>
-            </a:pPr>
-            <a:endParaRPr b="0" lang="en-US" sz="2000" spc="-1" strike="noStrike">
-              <a:latin typeface="Arial"/>
-            </a:endParaRPr>
-          </a:p>
-          <a:p>
-            <a:pPr algn="ctr">
-              <a:lnSpc>
-                <a:spcPct val="100000"/>
-              </a:lnSpc>
-              <a:spcBef>
-                <a:spcPts val="850"/>
-              </a:spcBef>
-              <a:buNone/>
-              <a:tabLst>
-                <a:tab algn="l" pos="408240"/>
-              </a:tabLst>
-            </a:pPr>
-            <a:r>
-              <a:rPr b="0" lang="en-US" sz="1800" spc="-1" strike="noStrike">
-                <a:solidFill>
-                  <a:srgbClr val="000000"/>
-                </a:solidFill>
-                <a:latin typeface="Arial"/>
-                <a:ea typeface="DejaVu Sans"/>
-              </a:rPr>
-              <a:t>- Simplify complex queries</a:t>
-            </a:r>
-            <a:endParaRPr b="0" lang="en-US" sz="1800" spc="-1" strike="noStrike">
-              <a:latin typeface="Arial"/>
-            </a:endParaRPr>
-          </a:p>
-          <a:p>
-            <a:pPr algn="ctr">
-              <a:lnSpc>
-                <a:spcPct val="100000"/>
-              </a:lnSpc>
-              <a:spcBef>
-                <a:spcPts val="850"/>
-              </a:spcBef>
-              <a:buNone/>
-              <a:tabLst>
-                <a:tab algn="l" pos="408240"/>
-              </a:tabLst>
-            </a:pPr>
-            <a:r>
-              <a:rPr b="0" lang="en-US" sz="1800" spc="-1" strike="noStrike">
-                <a:solidFill>
-                  <a:srgbClr val="000000"/>
-                </a:solidFill>
-                <a:latin typeface="Arial"/>
-                <a:ea typeface="DejaVu Sans"/>
-              </a:rPr>
-              <a:t>- Create new documents</a:t>
-            </a:r>
-            <a:endParaRPr b="0" lang="en-US" sz="1800" spc="-1" strike="noStrike">
-              <a:latin typeface="Arial"/>
-            </a:endParaRPr>
-          </a:p>
-          <a:p>
-            <a:pPr algn="ctr">
-              <a:lnSpc>
-                <a:spcPct val="100000"/>
-              </a:lnSpc>
-              <a:spcBef>
-                <a:spcPts val="850"/>
-              </a:spcBef>
-              <a:buNone/>
-              <a:tabLst>
-                <a:tab algn="l" pos="408240"/>
-              </a:tabLst>
-            </a:pPr>
-            <a:r>
-              <a:rPr b="0" lang="en-US" sz="1800" spc="-1" strike="noStrike">
-                <a:solidFill>
-                  <a:srgbClr val="000000"/>
-                </a:solidFill>
-                <a:latin typeface="Arial"/>
-                <a:ea typeface="DejaVu Sans"/>
-              </a:rPr>
-              <a:t>- Sorting, grouping, aggregating etc.</a:t>
-            </a:r>
-            <a:endParaRPr b="0" lang="en-US" sz="1800" spc="-1" strike="noStrike">
-              <a:latin typeface="Arial"/>
-            </a:endParaRPr>
-          </a:p>
-        </p:txBody>
-      </p:sp>
+              <a:buNone/>
+              <a:tabLst>
+                <a:tab algn="l" pos="408240"/>
+              </a:tabLst>
+            </a:pPr>
+            <a:endParaRPr b="0" lang="en-US" sz="1600" spc="-1" strike="noStrike">
+              <a:latin typeface="Arial"/>
+            </a:endParaRPr>
+          </a:p>
+          <a:p>
+            <a:pPr>
+              <a:lnSpc>
+                <a:spcPct val="100000"/>
+              </a:lnSpc>
+              <a:buNone/>
+              <a:tabLst>
+                <a:tab algn="l" pos="408240"/>
+              </a:tabLst>
+            </a:pPr>
+            <a:endParaRPr b="0" lang="en-US" sz="1600" spc="-1" strike="noStrike">
+              <a:latin typeface="Arial"/>
+            </a:endParaRPr>
+          </a:p>
+        </p:txBody>
+      </p:sp>
+      <p:sp>
+        <p:nvSpPr>
+          <p:cNvPr id="117" name=""/>
+          <p:cNvSpPr/>
+          <p:nvPr/>
+        </p:nvSpPr>
+        <p:spPr>
+          <a:xfrm>
+            <a:off x="914400" y="1740600"/>
+            <a:ext cx="3335040" cy="540000"/>
+          </a:xfrm>
+          <a:prstGeom prst="rect">
+            <a:avLst/>
+          </a:prstGeom>
+          <a:noFill/>
+          <a:ln w="0">
+            <a:noFill/>
+          </a:ln>
+        </p:spPr>
+        <p:style>
+          <a:lnRef idx="0"/>
+          <a:fillRef idx="0"/>
+          <a:effectRef idx="0"/>
+          <a:fontRef idx="minor"/>
+        </p:style>
+      </p:sp>
+      <p:sp>
+        <p:nvSpPr>
+          <p:cNvPr id="118" name=""/>
+          <p:cNvSpPr/>
+          <p:nvPr/>
+        </p:nvSpPr>
+        <p:spPr>
+          <a:xfrm>
+            <a:off x="3200400" y="1517040"/>
+            <a:ext cx="3428640" cy="540000"/>
+          </a:xfrm>
+          <a:prstGeom prst="rect">
+            <a:avLst/>
+          </a:prstGeom>
+          <a:noFill/>
+          <a:ln w="0">
+            <a:noFill/>
+          </a:ln>
+        </p:spPr>
+        <p:style>
+          <a:lnRef idx="0"/>
+          <a:fillRef idx="0"/>
+          <a:effectRef idx="0"/>
+          <a:fontRef idx="minor"/>
+        </p:style>
+      </p:sp>
+      <p:pic>
+        <p:nvPicPr>
+          <p:cNvPr id="119" name="" descr=""/>
+          <p:cNvPicPr/>
+          <p:nvPr/>
+        </p:nvPicPr>
+        <p:blipFill>
+          <a:blip r:embed="rId2"/>
+          <a:stretch/>
+        </p:blipFill>
+        <p:spPr>
+          <a:xfrm>
+            <a:off x="0" y="1600200"/>
+            <a:ext cx="10076760" cy="2908800"/>
+          </a:xfrm>
+          <a:prstGeom prst="rect">
+            <a:avLst/>
+          </a:prstGeom>
+          <a:ln w="0">
+            <a:noFill/>
+          </a:ln>
+        </p:spPr>
+      </p:pic>
     </p:spTree>
   </p:cSld>
   <mc:AlternateContent>
@@ -5185,9 +5277,120 @@
           <a:chExt cx="0" cy="0"/>
         </a:xfrm>
       </p:grpSpPr>
+      <p:sp>
+        <p:nvSpPr>
+          <p:cNvPr id="120" name=""/>
+          <p:cNvSpPr/>
+          <p:nvPr/>
+        </p:nvSpPr>
+        <p:spPr>
+          <a:xfrm>
+            <a:off x="1646280" y="4341960"/>
+            <a:ext cx="7257240" cy="309240"/>
+          </a:xfrm>
+          <a:prstGeom prst="rect">
+            <a:avLst/>
+          </a:prstGeom>
+          <a:noFill/>
+          <a:ln w="0">
+            <a:noFill/>
+          </a:ln>
+        </p:spPr>
+        <p:style>
+          <a:lnRef idx="0"/>
+          <a:fillRef idx="0"/>
+          <a:effectRef idx="0"/>
+          <a:fontRef idx="minor"/>
+        </p:style>
+        <p:txBody>
+          <a:bodyPr lIns="90000" rIns="90000" tIns="45000" bIns="45000" anchor="t">
+            <a:noAutofit/>
+          </a:bodyPr>
+          <a:p>
+            <a:pPr>
+              <a:lnSpc>
+                <a:spcPct val="100000"/>
+              </a:lnSpc>
+              <a:buNone/>
+              <a:tabLst>
+                <a:tab algn="l" pos="408240"/>
+              </a:tabLst>
+            </a:pPr>
+            <a:endParaRPr b="0" lang="en-US" sz="1600" spc="-1" strike="noStrike">
+              <a:latin typeface="Arial"/>
+            </a:endParaRPr>
+          </a:p>
+          <a:p>
+            <a:pPr>
+              <a:lnSpc>
+                <a:spcPct val="100000"/>
+              </a:lnSpc>
+              <a:buNone/>
+              <a:tabLst>
+                <a:tab algn="l" pos="408240"/>
+              </a:tabLst>
+            </a:pPr>
+            <a:endParaRPr b="0" lang="en-US" sz="1600" spc="-1" strike="noStrike">
+              <a:latin typeface="Arial"/>
+            </a:endParaRPr>
+          </a:p>
+        </p:txBody>
+      </p:sp>
+      <p:sp>
+        <p:nvSpPr>
+          <p:cNvPr id="121" name=""/>
+          <p:cNvSpPr/>
+          <p:nvPr/>
+        </p:nvSpPr>
+        <p:spPr>
+          <a:xfrm>
+            <a:off x="914400" y="1740600"/>
+            <a:ext cx="3335040" cy="540000"/>
+          </a:xfrm>
+          <a:prstGeom prst="rect">
+            <a:avLst/>
+          </a:prstGeom>
+          <a:noFill/>
+          <a:ln w="0">
+            <a:noFill/>
+          </a:ln>
+        </p:spPr>
+        <p:style>
+          <a:lnRef idx="0"/>
+          <a:fillRef idx="0"/>
+          <a:effectRef idx="0"/>
+          <a:fontRef idx="minor"/>
+        </p:style>
+      </p:sp>
+      <p:sp>
+        <p:nvSpPr>
+          <p:cNvPr id="122" name=""/>
+          <p:cNvSpPr/>
+          <p:nvPr/>
+        </p:nvSpPr>
+        <p:spPr>
+          <a:xfrm>
+            <a:off x="3200400" y="1517040"/>
+            <a:ext cx="3428640" cy="540000"/>
+          </a:xfrm>
+          <a:prstGeom prst="rect">
+            <a:avLst/>
+          </a:prstGeom>
+          <a:noFill/>
+          <a:ln w="0">
+            <a:noFill/>
+          </a:ln>
+        </p:spPr>
+        <p:style>
+          <a:lnRef idx="0"/>
+          <a:fillRef idx="0"/>
+          <a:effectRef idx="0"/>
+          <a:fontRef idx="minor"/>
+        </p:style>
+      </p:sp>
       <p:pic>
         <p:nvPicPr>
-          <p:cNvPr id="119" name="" descr=""/>
+          <p:cNvPr id="123" name="" descr=""/>
           <p:cNvPicPr/>
           <p:nvPr/>
         </p:nvPicPr>
@@ -5197,31 +5400,8 @@
         </p:blipFill>
         <p:spPr>
           <a:xfrm>
-            <a:off x="685440" y="2056680"/>
-            <a:ext cx="3193560" cy="3422520"/>
-          </a:xfrm>
-          <a:prstGeom prst="rect">
-            <a:avLst/>
-          </a:prstGeom>
-          <a:ln w="0">
-            <a:noFill/>
-          </a:ln>
-        </p:spPr>
-      </p:pic>
-      <p:pic>
-        <p:nvPicPr>
-          <p:cNvPr id="120" name="" descr=""/>
-          <p:cNvPicPr/>
-          <p:nvPr/>
-        </p:nvPicPr>
-        <p:blipFill>
-          <a:blip r:embed="rId3"/>
-          <a:stretch/>
-        </p:blipFill>
-        <p:spPr>
-          <a:xfrm>
-            <a:off x="3895200" y="2057400"/>
-            <a:ext cx="5481360" cy="3424680"/>
+            <a:off x="0" y="1600200"/>
+            <a:ext cx="10076760" cy="2908800"/>
           </a:xfrm>
           <a:prstGeom prst="rect">
             <a:avLst/>
@@ -5269,9 +5449,120 @@
           <a:chExt cx="0" cy="0"/>
         </a:xfrm>
       </p:grpSpPr>
+      <p:sp>
+        <p:nvSpPr>
+          <p:cNvPr id="124" name=""/>
+          <p:cNvSpPr/>
+          <p:nvPr/>
+        </p:nvSpPr>
+        <p:spPr>
+          <a:xfrm>
+            <a:off x="1646280" y="4341960"/>
+            <a:ext cx="7257240" cy="309240"/>
+          </a:xfrm>
+          <a:prstGeom prst="rect">
+            <a:avLst/>
+          </a:prstGeom>
+          <a:noFill/>
+          <a:ln w="0">
+            <a:noFill/>
+          </a:ln>
+        </p:spPr>
+        <p:style>
+          <a:lnRef idx="0"/>
+          <a:fillRef idx="0"/>
+          <a:effectRef idx="0"/>
+          <a:fontRef idx="minor"/>
+        </p:style>
+        <p:txBody>
+          <a:bodyPr lIns="90000" rIns="90000" tIns="45000" bIns="45000" anchor="t">
+            <a:noAutofit/>
+          </a:bodyPr>
+          <a:p>
+            <a:pPr>
+              <a:lnSpc>
+                <a:spcPct val="100000"/>
+              </a:lnSpc>
+              <a:buNone/>
+              <a:tabLst>
+                <a:tab algn="l" pos="408240"/>
+              </a:tabLst>
+            </a:pPr>
+            <a:endParaRPr b="0" lang="en-US" sz="1600" spc="-1" strike="noStrike">
+              <a:latin typeface="Arial"/>
+            </a:endParaRPr>
+          </a:p>
+          <a:p>
+            <a:pPr>
+              <a:lnSpc>
+                <a:spcPct val="100000"/>
+              </a:lnSpc>
+              <a:buNone/>
+              <a:tabLst>
+                <a:tab algn="l" pos="408240"/>
+              </a:tabLst>
+            </a:pPr>
+            <a:endParaRPr b="0" lang="en-US" sz="1600" spc="-1" strike="noStrike">
+              <a:latin typeface="Arial"/>
+            </a:endParaRPr>
+          </a:p>
+        </p:txBody>
+      </p:sp>
+      <p:sp>
+        <p:nvSpPr>
+          <p:cNvPr id="125" name=""/>
+          <p:cNvSpPr/>
+          <p:nvPr/>
+        </p:nvSpPr>
+        <p:spPr>
+          <a:xfrm>
+            <a:off x="914400" y="1740600"/>
+            <a:ext cx="3335040" cy="540000"/>
+          </a:xfrm>
+          <a:prstGeom prst="rect">
+            <a:avLst/>
+          </a:prstGeom>
+          <a:noFill/>
+          <a:ln w="0">
+            <a:noFill/>
+          </a:ln>
+        </p:spPr>
+        <p:style>
+          <a:lnRef idx="0"/>
+          <a:fillRef idx="0"/>
+          <a:effectRef idx="0"/>
+          <a:fontRef idx="minor"/>
+        </p:style>
+      </p:sp>
+      <p:sp>
+        <p:nvSpPr>
+          <p:cNvPr id="126" name=""/>
+          <p:cNvSpPr/>
+          <p:nvPr/>
+        </p:nvSpPr>
+        <p:spPr>
+          <a:xfrm>
+            <a:off x="3200400" y="1517040"/>
+            <a:ext cx="3428640" cy="540000"/>
+          </a:xfrm>
+          <a:prstGeom prst="rect">
+            <a:avLst/>
+          </a:prstGeom>
+          <a:noFill/>
+          <a:ln w="0">
+            <a:noFill/>
+          </a:ln>
+        </p:spPr>
+        <p:style>
+          <a:lnRef idx="0"/>
+          <a:fillRef idx="0"/>
+          <a:effectRef idx="0"/>
+          <a:fontRef idx="minor"/>
+        </p:style>
+      </p:sp>
       <p:pic>
         <p:nvPicPr>
-          <p:cNvPr id="121" name="" descr=""/>
+          <p:cNvPr id="127" name="" descr=""/>
           <p:cNvPicPr/>
           <p:nvPr/>
         </p:nvPicPr>
@@ -5281,31 +5572,8 @@
         </p:blipFill>
         <p:spPr>
           <a:xfrm>
-            <a:off x="685440" y="2056680"/>
-            <a:ext cx="3193560" cy="3422520"/>
-          </a:xfrm>
-          <a:prstGeom prst="rect">
-            <a:avLst/>
-          </a:prstGeom>
-          <a:ln w="0">
-            <a:noFill/>
-          </a:ln>
-        </p:spPr>
-      </p:pic>
-      <p:pic>
-        <p:nvPicPr>
-          <p:cNvPr id="122" name="" descr=""/>
-          <p:cNvPicPr/>
-          <p:nvPr/>
-        </p:nvPicPr>
-        <p:blipFill>
-          <a:blip r:embed="rId3"/>
-          <a:stretch/>
-        </p:blipFill>
-        <p:spPr>
-          <a:xfrm>
-            <a:off x="3895560" y="2057400"/>
-            <a:ext cx="5481360" cy="3424680"/>
+            <a:off x="0" y="1600200"/>
+            <a:ext cx="10076760" cy="2908800"/>
           </a:xfrm>
           <a:prstGeom prst="rect">
             <a:avLst/>
@@ -5355,14 +5623,14 @@
       </p:grpSpPr>
       <p:sp>
         <p:nvSpPr>
-          <p:cNvPr id="123" name=""/>
+          <p:cNvPr id="128" name=""/>
           <p:cNvSpPr/>
           <p:nvPr/>
         </p:nvSpPr>
         <p:spPr>
           <a:xfrm>
-            <a:off x="503640" y="1326240"/>
-            <a:ext cx="9056520" cy="3276000"/>
+            <a:off x="503640" y="225720"/>
+            <a:ext cx="9055080" cy="933120"/>
           </a:xfrm>
           <a:prstGeom prst="rect">
             <a:avLst/>
@@ -5378,162 +5646,214 @@
           <a:effectRef idx="0"/>
           <a:fontRef idx="minor"/>
         </p:style>
+      </p:sp>
+      <p:sp>
+        <p:nvSpPr>
+          <p:cNvPr id="129" name=""/>
+          <p:cNvSpPr/>
+          <p:nvPr/>
+        </p:nvSpPr>
+        <p:spPr>
+          <a:xfrm>
+            <a:off x="503640" y="1326240"/>
+            <a:ext cx="9055080" cy="3274560"/>
+          </a:xfrm>
+          <a:prstGeom prst="rect">
+            <a:avLst/>
+          </a:prstGeom>
+          <a:noFill/>
+          <a:ln w="0">
+            <a:noFill/>
+          </a:ln>
+        </p:spPr>
+        <p:style>
+          <a:lnRef idx="0"/>
+          <a:fillRef idx="0"/>
+          <a:effectRef idx="0"/>
+          <a:fontRef idx="minor"/>
+        </p:style>
+        <p:txBody>
+          <a:bodyPr lIns="0" rIns="0" tIns="0" bIns="0" anchor="ctr">
+            <a:noAutofit/>
+          </a:bodyPr>
+          <a:p>
+            <a:pPr algn="ctr">
+              <a:lnSpc>
+                <a:spcPct val="100000"/>
+              </a:lnSpc>
+              <a:buNone/>
+              <a:tabLst>
+                <a:tab algn="l" pos="408240"/>
+              </a:tabLst>
+            </a:pPr>
+            <a:endParaRPr b="0" lang="en-US" sz="1800" spc="-1" strike="noStrike">
+              <a:latin typeface="Arial"/>
+            </a:endParaRPr>
+          </a:p>
+          <a:p>
+            <a:pPr algn="ctr">
+              <a:lnSpc>
+                <a:spcPct val="100000"/>
+              </a:lnSpc>
+              <a:buNone/>
+              <a:tabLst>
+                <a:tab algn="l" pos="408240"/>
+              </a:tabLst>
+            </a:pPr>
+            <a:endParaRPr b="0" lang="en-US" sz="1800" spc="-1" strike="noStrike">
+              <a:latin typeface="Arial"/>
+            </a:endParaRPr>
+          </a:p>
+          <a:p>
+            <a:pPr algn="ctr">
+              <a:lnSpc>
+                <a:spcPct val="100000"/>
+              </a:lnSpc>
+              <a:buNone/>
+              <a:tabLst>
+                <a:tab algn="l" pos="408240"/>
+              </a:tabLst>
+            </a:pPr>
+            <a:endParaRPr b="0" lang="en-US" sz="1800" spc="-1" strike="noStrike">
+              <a:latin typeface="Arial"/>
+            </a:endParaRPr>
+          </a:p>
+          <a:p>
+            <a:pPr algn="ctr">
+              <a:lnSpc>
+                <a:spcPct val="100000"/>
+              </a:lnSpc>
+              <a:buNone/>
+              <a:tabLst>
+                <a:tab algn="l" pos="408240"/>
+              </a:tabLst>
+            </a:pPr>
+            <a:endParaRPr b="0" lang="en-US" sz="1800" spc="-1" strike="noStrike">
+              <a:latin typeface="Arial"/>
+            </a:endParaRPr>
+          </a:p>
+          <a:p>
+            <a:pPr algn="ctr">
+              <a:lnSpc>
+                <a:spcPct val="100000"/>
+              </a:lnSpc>
+              <a:buNone/>
+              <a:tabLst>
+                <a:tab algn="l" pos="408240"/>
+              </a:tabLst>
+            </a:pPr>
+            <a:endParaRPr b="0" lang="en-US" sz="1800" spc="-1" strike="noStrike">
+              <a:latin typeface="Arial"/>
+            </a:endParaRPr>
+          </a:p>
+          <a:p>
+            <a:pPr algn="ctr">
+              <a:lnSpc>
+                <a:spcPct val="100000"/>
+              </a:lnSpc>
+              <a:buNone/>
+              <a:tabLst>
+                <a:tab algn="l" pos="408240"/>
+              </a:tabLst>
+            </a:pPr>
+            <a:endParaRPr b="0" lang="en-US" sz="1800" spc="-1" strike="noStrike">
+              <a:latin typeface="Arial"/>
+            </a:endParaRPr>
+          </a:p>
+          <a:p>
+            <a:pPr algn="ctr">
+              <a:lnSpc>
+                <a:spcPct val="100000"/>
+              </a:lnSpc>
+              <a:buNone/>
+              <a:tabLst>
+                <a:tab algn="l" pos="408240"/>
+              </a:tabLst>
+            </a:pPr>
+            <a:endParaRPr b="0" lang="en-US" sz="1800" spc="-1" strike="noStrike">
+              <a:latin typeface="Arial"/>
+            </a:endParaRPr>
+          </a:p>
+        </p:txBody>
+      </p:sp>
+      <p:sp>
+        <p:nvSpPr>
+          <p:cNvPr id="130" name=""/>
+          <p:cNvSpPr/>
+          <p:nvPr/>
+        </p:nvSpPr>
+        <p:spPr>
+          <a:xfrm>
+            <a:off x="503640" y="1326240"/>
+            <a:ext cx="9055800" cy="3275280"/>
+          </a:xfrm>
+          <a:prstGeom prst="rect">
+            <a:avLst/>
+          </a:prstGeom>
+          <a:noFill/>
+          <a:ln w="0">
+            <a:noFill/>
+          </a:ln>
+        </p:spPr>
+        <p:style>
+          <a:lnRef idx="0"/>
+          <a:fillRef idx="0"/>
+          <a:effectRef idx="0"/>
+          <a:fontRef idx="minor"/>
+        </p:style>
         <p:txBody>
           <a:bodyPr lIns="0" rIns="0" tIns="0" bIns="0" anchor="t">
             <a:normAutofit/>
           </a:bodyPr>
           <a:p>
-            <a:pPr>
-              <a:lnSpc>
-                <a:spcPct val="100000"/>
-              </a:lnSpc>
-              <a:spcBef>
-                <a:spcPts val="1417"/>
-              </a:spcBef>
-              <a:buNone/>
-              <a:tabLst>
-                <a:tab algn="l" pos="408240"/>
-              </a:tabLst>
-            </a:pPr>
-            <a:endParaRPr b="0" lang="en-US" sz="1800" spc="-1" strike="noStrike">
-              <a:latin typeface="Arial"/>
-            </a:endParaRPr>
-          </a:p>
-          <a:p>
-            <a:pPr algn="ctr">
-              <a:lnSpc>
-                <a:spcPct val="100000"/>
-              </a:lnSpc>
-              <a:spcBef>
-                <a:spcPts val="850"/>
-              </a:spcBef>
+            <a:pPr algn="ctr">
+              <a:lnSpc>
+                <a:spcPct val="100000"/>
+              </a:lnSpc>
+              <a:buNone/>
+              <a:tabLst>
+                <a:tab algn="l" pos="408240"/>
+              </a:tabLst>
+            </a:pPr>
+            <a:endParaRPr b="0" lang="en-US" sz="1800" spc="-1" strike="noStrike">
+              <a:latin typeface="Arial"/>
+            </a:endParaRPr>
+          </a:p>
+          <a:p>
+            <a:pPr algn="ctr">
+              <a:lnSpc>
+                <a:spcPct val="100000"/>
+              </a:lnSpc>
+              <a:buNone/>
+              <a:tabLst>
+                <a:tab algn="l" pos="408240"/>
+              </a:tabLst>
+            </a:pPr>
+            <a:endParaRPr b="0" lang="en-US" sz="1800" spc="-1" strike="noStrike">
+              <a:latin typeface="Arial"/>
+            </a:endParaRPr>
+          </a:p>
+          <a:p>
+            <a:pPr algn="ctr">
+              <a:lnSpc>
+                <a:spcPct val="100000"/>
+              </a:lnSpc>
               <a:buNone/>
               <a:tabLst>
                 <a:tab algn="l" pos="408240"/>
               </a:tabLst>
             </a:pPr>
             <a:r>
-              <a:rPr b="0" lang="en-US" sz="3200" spc="-1" strike="noStrike">
+              <a:rPr b="1" lang="en-US" sz="3200" spc="-1" strike="noStrike">
                 <a:solidFill>
                   <a:srgbClr val="000000"/>
                 </a:solidFill>
                 <a:latin typeface="Arial"/>
-                <a:ea typeface="DejaVu Sans"/>
+                <a:ea typeface="Microsoft YaHei"/>
               </a:rPr>
-              <a:t>Change streams</a:t>
+              <a:t>Update operators</a:t>
             </a:r>
-            <a:br>
-              <a:rPr sz="3200"/>
-            </a:br>
-            <a:r>
-              <a:rPr b="0" lang="en-US" sz="2000" spc="-1" strike="noStrike">
-                <a:solidFill>
-                  <a:srgbClr val="000000"/>
-                </a:solidFill>
-                <a:latin typeface="Arial"/>
-                <a:ea typeface="DejaVu Sans"/>
-              </a:rPr>
-              <a:t>Access real-time data changes on:</a:t>
-            </a:r>
-            <a:endParaRPr b="0" lang="en-US" sz="2000" spc="-1" strike="noStrike">
-              <a:latin typeface="Arial"/>
-            </a:endParaRPr>
-          </a:p>
-          <a:p>
-            <a:pPr algn="ctr">
-              <a:lnSpc>
-                <a:spcPct val="100000"/>
-              </a:lnSpc>
-              <a:spcBef>
-                <a:spcPts val="850"/>
-              </a:spcBef>
-              <a:buNone/>
-              <a:tabLst>
-                <a:tab algn="l" pos="408240"/>
-              </a:tabLst>
-            </a:pPr>
-            <a:endParaRPr b="0" lang="en-US" sz="2000" spc="-1" strike="noStrike">
-              <a:latin typeface="Arial"/>
-            </a:endParaRPr>
-          </a:p>
-          <a:p>
-            <a:pPr algn="ctr">
-              <a:lnSpc>
-                <a:spcPct val="100000"/>
-              </a:lnSpc>
-              <a:spcBef>
-                <a:spcPts val="850"/>
-              </a:spcBef>
-              <a:buNone/>
-              <a:tabLst>
-                <a:tab algn="l" pos="408240"/>
-              </a:tabLst>
-            </a:pPr>
-            <a:r>
-              <a:rPr b="0" lang="en-US" sz="1800" spc="-1" strike="noStrike">
-                <a:solidFill>
-                  <a:srgbClr val="000000"/>
-                </a:solidFill>
-                <a:latin typeface="Arial"/>
-                <a:ea typeface="DejaVu Sans"/>
-              </a:rPr>
-              <a:t>- Collections </a:t>
-            </a:r>
-            <a:endParaRPr b="0" lang="en-US" sz="1800" spc="-1" strike="noStrike">
-              <a:latin typeface="Arial"/>
-            </a:endParaRPr>
-          </a:p>
-          <a:p>
-            <a:pPr algn="ctr">
-              <a:lnSpc>
-                <a:spcPct val="100000"/>
-              </a:lnSpc>
-              <a:spcBef>
-                <a:spcPts val="850"/>
-              </a:spcBef>
-              <a:buNone/>
-              <a:tabLst>
-                <a:tab algn="l" pos="408240"/>
-              </a:tabLst>
-            </a:pPr>
-            <a:r>
-              <a:rPr b="0" lang="en-US" sz="1800" spc="-1" strike="noStrike">
-                <a:solidFill>
-                  <a:srgbClr val="000000"/>
-                </a:solidFill>
-                <a:latin typeface="Arial"/>
-                <a:ea typeface="DejaVu Sans"/>
-              </a:rPr>
-              <a:t>- Databases</a:t>
-            </a:r>
-            <a:endParaRPr b="0" lang="en-US" sz="1800" spc="-1" strike="noStrike">
-              <a:latin typeface="Arial"/>
-            </a:endParaRPr>
-          </a:p>
-          <a:p>
-            <a:pPr algn="ctr">
-              <a:lnSpc>
-                <a:spcPct val="100000"/>
-              </a:lnSpc>
-              <a:spcBef>
-                <a:spcPts val="850"/>
-              </a:spcBef>
-              <a:buNone/>
-              <a:tabLst>
-                <a:tab algn="l" pos="408240"/>
-              </a:tabLst>
-            </a:pPr>
-            <a:r>
-              <a:rPr b="0" lang="en-US" sz="1800" spc="-1" strike="noStrike">
-                <a:solidFill>
-                  <a:srgbClr val="000000"/>
-                </a:solidFill>
-                <a:latin typeface="Arial"/>
-                <a:ea typeface="DejaVu Sans"/>
-              </a:rPr>
-              <a:t>- Deployments</a:t>
-            </a:r>
-            <a:endParaRPr b="0" lang="en-US" sz="1800" spc="-1" strike="noStrike">
+            <a:endParaRPr b="0" lang="en-US" sz="3200" spc="-1" strike="noStrike">
               <a:latin typeface="Arial"/>
             </a:endParaRPr>
           </a:p>
@@ -5579,14 +5899,14 @@
       </p:grpSpPr>
       <p:sp>
         <p:nvSpPr>
-          <p:cNvPr id="124" name=""/>
+          <p:cNvPr id="131" name=""/>
           <p:cNvSpPr/>
           <p:nvPr/>
         </p:nvSpPr>
         <p:spPr>
           <a:xfrm>
-            <a:off x="510480" y="834120"/>
-            <a:ext cx="9056520" cy="3276000"/>
+            <a:off x="503640" y="1326240"/>
+            <a:ext cx="9055080" cy="3274560"/>
           </a:xfrm>
           <a:prstGeom prst="rect">
             <a:avLst/>
@@ -5603,80 +5923,177 @@
           <a:fontRef idx="minor"/>
         </p:style>
         <p:txBody>
+          <a:bodyPr lIns="0" rIns="0" tIns="0" bIns="0" anchor="ctr">
+            <a:noAutofit/>
+          </a:bodyPr>
+          <a:p>
+            <a:pPr algn="ctr">
+              <a:lnSpc>
+                <a:spcPct val="100000"/>
+              </a:lnSpc>
+              <a:buNone/>
+              <a:tabLst>
+                <a:tab algn="l" pos="408240"/>
+              </a:tabLst>
+            </a:pPr>
+            <a:endParaRPr b="0" lang="en-US" sz="1800" spc="-1" strike="noStrike">
+              <a:latin typeface="Arial"/>
+            </a:endParaRPr>
+          </a:p>
+          <a:p>
+            <a:pPr algn="ctr">
+              <a:lnSpc>
+                <a:spcPct val="100000"/>
+              </a:lnSpc>
+              <a:buNone/>
+              <a:tabLst>
+                <a:tab algn="l" pos="408240"/>
+              </a:tabLst>
+            </a:pPr>
+            <a:endParaRPr b="0" lang="en-US" sz="1800" spc="-1" strike="noStrike">
+              <a:latin typeface="Arial"/>
+            </a:endParaRPr>
+          </a:p>
+          <a:p>
+            <a:pPr algn="ctr">
+              <a:lnSpc>
+                <a:spcPct val="100000"/>
+              </a:lnSpc>
+              <a:buNone/>
+              <a:tabLst>
+                <a:tab algn="l" pos="408240"/>
+              </a:tabLst>
+            </a:pPr>
+            <a:endParaRPr b="0" lang="en-US" sz="1800" spc="-1" strike="noStrike">
+              <a:latin typeface="Arial"/>
+            </a:endParaRPr>
+          </a:p>
+          <a:p>
+            <a:pPr algn="ctr">
+              <a:lnSpc>
+                <a:spcPct val="100000"/>
+              </a:lnSpc>
+              <a:buNone/>
+              <a:tabLst>
+                <a:tab algn="l" pos="408240"/>
+              </a:tabLst>
+            </a:pPr>
+            <a:endParaRPr b="0" lang="en-US" sz="1800" spc="-1" strike="noStrike">
+              <a:latin typeface="Arial"/>
+            </a:endParaRPr>
+          </a:p>
+          <a:p>
+            <a:pPr algn="ctr">
+              <a:lnSpc>
+                <a:spcPct val="100000"/>
+              </a:lnSpc>
+              <a:buNone/>
+              <a:tabLst>
+                <a:tab algn="l" pos="408240"/>
+              </a:tabLst>
+            </a:pPr>
+            <a:endParaRPr b="0" lang="en-US" sz="1800" spc="-1" strike="noStrike">
+              <a:latin typeface="Arial"/>
+            </a:endParaRPr>
+          </a:p>
+          <a:p>
+            <a:pPr algn="ctr">
+              <a:lnSpc>
+                <a:spcPct val="100000"/>
+              </a:lnSpc>
+              <a:buNone/>
+              <a:tabLst>
+                <a:tab algn="l" pos="408240"/>
+              </a:tabLst>
+            </a:pPr>
+            <a:endParaRPr b="0" lang="en-US" sz="1800" spc="-1" strike="noStrike">
+              <a:latin typeface="Arial"/>
+            </a:endParaRPr>
+          </a:p>
+          <a:p>
+            <a:pPr algn="ctr">
+              <a:lnSpc>
+                <a:spcPct val="100000"/>
+              </a:lnSpc>
+              <a:buNone/>
+              <a:tabLst>
+                <a:tab algn="l" pos="408240"/>
+              </a:tabLst>
+            </a:pPr>
+            <a:endParaRPr b="0" lang="en-US" sz="1800" spc="-1" strike="noStrike">
+              <a:latin typeface="Arial"/>
+            </a:endParaRPr>
+          </a:p>
+        </p:txBody>
+      </p:sp>
+      <p:sp>
+        <p:nvSpPr>
+          <p:cNvPr id="132" name=""/>
+          <p:cNvSpPr/>
+          <p:nvPr/>
+        </p:nvSpPr>
+        <p:spPr>
+          <a:xfrm>
+            <a:off x="503640" y="1326240"/>
+            <a:ext cx="9055800" cy="3275280"/>
+          </a:xfrm>
+          <a:prstGeom prst="rect">
+            <a:avLst/>
+          </a:prstGeom>
+          <a:noFill/>
+          <a:ln w="0">
+            <a:noFill/>
+          </a:ln>
+        </p:spPr>
+        <p:style>
+          <a:lnRef idx="0"/>
+          <a:fillRef idx="0"/>
+          <a:effectRef idx="0"/>
+          <a:fontRef idx="minor"/>
+        </p:style>
+        <p:txBody>
           <a:bodyPr lIns="0" rIns="0" tIns="0" bIns="0" anchor="t">
             <a:normAutofit/>
           </a:bodyPr>
           <a:p>
-            <a:pPr>
-              <a:lnSpc>
-                <a:spcPct val="100000"/>
-              </a:lnSpc>
-              <a:spcBef>
-                <a:spcPts val="1417"/>
-              </a:spcBef>
-              <a:buNone/>
-              <a:tabLst>
-                <a:tab algn="l" pos="408240"/>
-              </a:tabLst>
-            </a:pPr>
-            <a:endParaRPr b="0" lang="en-US" sz="1800" spc="-1" strike="noStrike">
-              <a:latin typeface="Arial"/>
-            </a:endParaRPr>
-          </a:p>
-          <a:p>
-            <a:pPr algn="ctr">
-              <a:lnSpc>
-                <a:spcPct val="100000"/>
-              </a:lnSpc>
-              <a:spcBef>
-                <a:spcPts val="850"/>
-              </a:spcBef>
-              <a:buNone/>
-              <a:tabLst>
-                <a:tab algn="l" pos="408240"/>
-              </a:tabLst>
-            </a:pPr>
-            <a:r>
-              <a:rPr b="0" lang="en-US" sz="3200" spc="-1" strike="noStrike">
-                <a:solidFill>
-                  <a:srgbClr val="000000"/>
-                </a:solidFill>
-                <a:latin typeface="Arial"/>
-                <a:ea typeface="DejaVu Sans"/>
-              </a:rPr>
-              <a:t>Indices</a:t>
-            </a:r>
-            <a:br>
-              <a:rPr sz="3200"/>
-            </a:br>
-            <a:r>
-              <a:rPr b="0" lang="en-US" sz="2000" spc="-1" strike="noStrike">
-                <a:solidFill>
-                  <a:srgbClr val="000000"/>
-                </a:solidFill>
-                <a:latin typeface="Arial"/>
-                <a:ea typeface="DejaVu Sans"/>
-              </a:rPr>
-              <a:t>Optimize and put constraints on queries </a:t>
-            </a:r>
-            <a:endParaRPr b="0" lang="en-US" sz="2000" spc="-1" strike="noStrike">
-              <a:latin typeface="Arial"/>
-            </a:endParaRPr>
-          </a:p>
-          <a:p>
-            <a:pPr algn="ctr">
-              <a:lnSpc>
-                <a:spcPct val="100000"/>
-              </a:lnSpc>
-              <a:spcBef>
-                <a:spcPts val="850"/>
-              </a:spcBef>
-              <a:buNone/>
-              <a:tabLst>
-                <a:tab algn="l" pos="408240"/>
-              </a:tabLst>
-            </a:pPr>
-            <a:endParaRPr b="0" lang="en-US" sz="1800" spc="-1" strike="noStrike">
+            <a:pPr algn="ctr">
+              <a:lnSpc>
+                <a:spcPct val="100000"/>
+              </a:lnSpc>
+              <a:buNone/>
+              <a:tabLst>
+                <a:tab algn="l" pos="408240"/>
+              </a:tabLst>
+            </a:pPr>
+            <a:endParaRPr b="0" lang="en-US" sz="1800" spc="-1" strike="noStrike">
+              <a:latin typeface="Arial"/>
+            </a:endParaRPr>
+          </a:p>
+          <a:p>
+            <a:pPr algn="ctr">
+              <a:lnSpc>
+                <a:spcPct val="100000"/>
+              </a:lnSpc>
+              <a:buNone/>
+              <a:tabLst>
+                <a:tab algn="l" pos="408240"/>
+              </a:tabLst>
+            </a:pPr>
+            <a:endParaRPr b="0" lang="en-US" sz="1800" spc="-1" strike="noStrike">
+              <a:latin typeface="Arial"/>
+            </a:endParaRPr>
+          </a:p>
+          <a:p>
+            <a:pPr algn="ctr">
+              <a:lnSpc>
+                <a:spcPct val="100000"/>
+              </a:lnSpc>
+              <a:buNone/>
+              <a:tabLst>
+                <a:tab algn="l" pos="408240"/>
+              </a:tabLst>
+            </a:pPr>
+            <a:endParaRPr b="0" lang="en-US" sz="3200" spc="-1" strike="noStrike">
               <a:latin typeface="Arial"/>
             </a:endParaRPr>
           </a:p>
@@ -5684,7 +6101,7 @@
       </p:sp>
       <p:pic>
         <p:nvPicPr>
-          <p:cNvPr id="125" name="" descr=""/>
+          <p:cNvPr id="133" name="" descr=""/>
           <p:cNvPicPr/>
           <p:nvPr/>
         </p:nvPicPr>
@@ -5694,8 +6111,8 @@
         </p:blipFill>
         <p:spPr>
           <a:xfrm>
-            <a:off x="2743200" y="2277720"/>
-            <a:ext cx="4569120" cy="3205800"/>
+            <a:off x="720" y="1593360"/>
+            <a:ext cx="10076760" cy="3435840"/>
           </a:xfrm>
           <a:prstGeom prst="rect">
             <a:avLst/>
@@ -5745,14 +6162,14 @@
       </p:grpSpPr>
       <p:sp>
         <p:nvSpPr>
-          <p:cNvPr id="126" name=""/>
+          <p:cNvPr id="134" name=""/>
           <p:cNvSpPr/>
           <p:nvPr/>
         </p:nvSpPr>
         <p:spPr>
           <a:xfrm>
             <a:off x="503640" y="1326240"/>
-            <a:ext cx="9056520" cy="3276000"/>
+            <a:ext cx="9055080" cy="3274560"/>
           </a:xfrm>
           <a:prstGeom prst="rect">
             <a:avLst/>
@@ -5769,207 +6186,205 @@
           <a:fontRef idx="minor"/>
         </p:style>
         <p:txBody>
+          <a:bodyPr lIns="0" rIns="0" tIns="0" bIns="0" anchor="ctr">
+            <a:noAutofit/>
+          </a:bodyPr>
+          <a:p>
+            <a:pPr algn="ctr">
+              <a:lnSpc>
+                <a:spcPct val="100000"/>
+              </a:lnSpc>
+              <a:buNone/>
+              <a:tabLst>
+                <a:tab algn="l" pos="408240"/>
+              </a:tabLst>
+            </a:pPr>
+            <a:endParaRPr b="0" lang="en-US" sz="1800" spc="-1" strike="noStrike">
+              <a:latin typeface="Arial"/>
+            </a:endParaRPr>
+          </a:p>
+          <a:p>
+            <a:pPr algn="ctr">
+              <a:lnSpc>
+                <a:spcPct val="100000"/>
+              </a:lnSpc>
+              <a:buNone/>
+              <a:tabLst>
+                <a:tab algn="l" pos="408240"/>
+              </a:tabLst>
+            </a:pPr>
+            <a:endParaRPr b="0" lang="en-US" sz="1800" spc="-1" strike="noStrike">
+              <a:latin typeface="Arial"/>
+            </a:endParaRPr>
+          </a:p>
+          <a:p>
+            <a:pPr algn="ctr">
+              <a:lnSpc>
+                <a:spcPct val="100000"/>
+              </a:lnSpc>
+              <a:buNone/>
+              <a:tabLst>
+                <a:tab algn="l" pos="408240"/>
+              </a:tabLst>
+            </a:pPr>
+            <a:endParaRPr b="0" lang="en-US" sz="1800" spc="-1" strike="noStrike">
+              <a:latin typeface="Arial"/>
+            </a:endParaRPr>
+          </a:p>
+          <a:p>
+            <a:pPr algn="ctr">
+              <a:lnSpc>
+                <a:spcPct val="100000"/>
+              </a:lnSpc>
+              <a:buNone/>
+              <a:tabLst>
+                <a:tab algn="l" pos="408240"/>
+              </a:tabLst>
+            </a:pPr>
+            <a:endParaRPr b="0" lang="en-US" sz="1800" spc="-1" strike="noStrike">
+              <a:latin typeface="Arial"/>
+            </a:endParaRPr>
+          </a:p>
+          <a:p>
+            <a:pPr algn="ctr">
+              <a:lnSpc>
+                <a:spcPct val="100000"/>
+              </a:lnSpc>
+              <a:buNone/>
+              <a:tabLst>
+                <a:tab algn="l" pos="408240"/>
+              </a:tabLst>
+            </a:pPr>
+            <a:endParaRPr b="0" lang="en-US" sz="1800" spc="-1" strike="noStrike">
+              <a:latin typeface="Arial"/>
+            </a:endParaRPr>
+          </a:p>
+          <a:p>
+            <a:pPr algn="ctr">
+              <a:lnSpc>
+                <a:spcPct val="100000"/>
+              </a:lnSpc>
+              <a:buNone/>
+              <a:tabLst>
+                <a:tab algn="l" pos="408240"/>
+              </a:tabLst>
+            </a:pPr>
+            <a:endParaRPr b="0" lang="en-US" sz="1800" spc="-1" strike="noStrike">
+              <a:latin typeface="Arial"/>
+            </a:endParaRPr>
+          </a:p>
+          <a:p>
+            <a:pPr algn="ctr">
+              <a:lnSpc>
+                <a:spcPct val="100000"/>
+              </a:lnSpc>
+              <a:buNone/>
+              <a:tabLst>
+                <a:tab algn="l" pos="408240"/>
+              </a:tabLst>
+            </a:pPr>
+            <a:endParaRPr b="0" lang="en-US" sz="1800" spc="-1" strike="noStrike">
+              <a:latin typeface="Arial"/>
+            </a:endParaRPr>
+          </a:p>
+        </p:txBody>
+      </p:sp>
+      <p:sp>
+        <p:nvSpPr>
+          <p:cNvPr id="135" name=""/>
+          <p:cNvSpPr/>
+          <p:nvPr/>
+        </p:nvSpPr>
+        <p:spPr>
+          <a:xfrm>
+            <a:off x="503640" y="1326240"/>
+            <a:ext cx="9055800" cy="3275280"/>
+          </a:xfrm>
+          <a:prstGeom prst="rect">
+            <a:avLst/>
+          </a:prstGeom>
+          <a:noFill/>
+          <a:ln w="0">
+            <a:noFill/>
+          </a:ln>
+        </p:spPr>
+        <p:style>
+          <a:lnRef idx="0"/>
+          <a:fillRef idx="0"/>
+          <a:effectRef idx="0"/>
+          <a:fontRef idx="minor"/>
+        </p:style>
+        <p:txBody>
           <a:bodyPr lIns="0" rIns="0" tIns="0" bIns="0" anchor="t">
-            <a:normAutofit fontScale="99000"/>
-          </a:bodyPr>
-          <a:p>
-            <a:pPr>
-              <a:lnSpc>
-                <a:spcPct val="100000"/>
-              </a:lnSpc>
-              <a:spcBef>
-                <a:spcPts val="1417"/>
-              </a:spcBef>
-              <a:buNone/>
-              <a:tabLst>
-                <a:tab algn="l" pos="408240"/>
-              </a:tabLst>
-            </a:pPr>
-            <a:endParaRPr b="0" lang="en-US" sz="1800" spc="-1" strike="noStrike">
-              <a:latin typeface="Arial"/>
-            </a:endParaRPr>
-          </a:p>
-          <a:p>
-            <a:pPr algn="ctr">
-              <a:lnSpc>
-                <a:spcPct val="100000"/>
-              </a:lnSpc>
-              <a:spcBef>
-                <a:spcPts val="1417"/>
-              </a:spcBef>
-              <a:buNone/>
-              <a:tabLst>
-                <a:tab algn="l" pos="408240"/>
-              </a:tabLst>
-            </a:pPr>
-            <a:r>
-              <a:rPr b="0" lang="en-US" sz="3200" spc="-1" strike="noStrike">
-                <a:solidFill>
-                  <a:srgbClr val="000000"/>
-                </a:solidFill>
-                <a:latin typeface="Arial"/>
-                <a:ea typeface="DejaVu Sans"/>
-              </a:rPr>
-              <a:t>Transactions</a:t>
-            </a:r>
+            <a:normAutofit/>
+          </a:bodyPr>
+          <a:p>
+            <a:pPr algn="ctr">
+              <a:lnSpc>
+                <a:spcPct val="100000"/>
+              </a:lnSpc>
+              <a:buNone/>
+              <a:tabLst>
+                <a:tab algn="l" pos="408240"/>
+              </a:tabLst>
+            </a:pPr>
+            <a:endParaRPr b="0" lang="en-US" sz="1800" spc="-1" strike="noStrike">
+              <a:latin typeface="Arial"/>
+            </a:endParaRPr>
+          </a:p>
+          <a:p>
+            <a:pPr algn="ctr">
+              <a:lnSpc>
+                <a:spcPct val="100000"/>
+              </a:lnSpc>
+              <a:buNone/>
+              <a:tabLst>
+                <a:tab algn="l" pos="408240"/>
+              </a:tabLst>
+            </a:pPr>
+            <a:endParaRPr b="0" lang="en-US" sz="1800" spc="-1" strike="noStrike">
+              <a:latin typeface="Arial"/>
+            </a:endParaRPr>
+          </a:p>
+          <a:p>
+            <a:pPr algn="ctr">
+              <a:lnSpc>
+                <a:spcPct val="100000"/>
+              </a:lnSpc>
+              <a:buNone/>
+              <a:tabLst>
+                <a:tab algn="l" pos="408240"/>
+              </a:tabLst>
+            </a:pPr>
             <a:endParaRPr b="0" lang="en-US" sz="3200" spc="-1" strike="noStrike">
               <a:latin typeface="Arial"/>
             </a:endParaRPr>
           </a:p>
-          <a:p>
-            <a:pPr algn="ctr">
-              <a:lnSpc>
-                <a:spcPct val="100000"/>
-              </a:lnSpc>
-              <a:spcBef>
-                <a:spcPts val="850"/>
-              </a:spcBef>
-              <a:buNone/>
-              <a:tabLst>
-                <a:tab algn="l" pos="408240"/>
-              </a:tabLst>
-            </a:pPr>
-            <a:r>
-              <a:rPr b="0" lang="en-US" sz="2000" spc="-1" strike="noStrike">
-                <a:solidFill>
-                  <a:srgbClr val="000000"/>
-                </a:solidFill>
-                <a:latin typeface="Arial"/>
-                <a:ea typeface="DejaVu Sans"/>
-              </a:rPr>
-              <a:t>Atomicity across multiple:</a:t>
-            </a:r>
-            <a:endParaRPr b="0" lang="en-US" sz="2000" spc="-1" strike="noStrike">
-              <a:latin typeface="Arial"/>
-            </a:endParaRPr>
-          </a:p>
-          <a:p>
-            <a:pPr algn="ctr">
-              <a:lnSpc>
-                <a:spcPct val="100000"/>
-              </a:lnSpc>
-              <a:spcBef>
-                <a:spcPts val="850"/>
-              </a:spcBef>
-              <a:buNone/>
-              <a:tabLst>
-                <a:tab algn="l" pos="408240"/>
-              </a:tabLst>
-            </a:pPr>
-            <a:endParaRPr b="0" lang="en-US" sz="2000" spc="-1" strike="noStrike">
-              <a:latin typeface="Arial"/>
-            </a:endParaRPr>
-          </a:p>
-          <a:p>
-            <a:pPr algn="ctr">
-              <a:lnSpc>
-                <a:spcPct val="100000"/>
-              </a:lnSpc>
-              <a:spcBef>
-                <a:spcPts val="850"/>
-              </a:spcBef>
-              <a:buNone/>
-              <a:tabLst>
-                <a:tab algn="l" pos="408240"/>
-              </a:tabLst>
-            </a:pPr>
-            <a:r>
-              <a:rPr b="0" lang="en-US" sz="1800" spc="-1" strike="noStrike">
-                <a:solidFill>
-                  <a:srgbClr val="000000"/>
-                </a:solidFill>
-                <a:latin typeface="Arial"/>
-                <a:ea typeface="DejaVu Sans"/>
-              </a:rPr>
-              <a:t>- Operations </a:t>
-            </a:r>
-            <a:endParaRPr b="0" lang="en-US" sz="1800" spc="-1" strike="noStrike">
-              <a:latin typeface="Arial"/>
-            </a:endParaRPr>
-          </a:p>
-          <a:p>
-            <a:pPr algn="ctr">
-              <a:lnSpc>
-                <a:spcPct val="100000"/>
-              </a:lnSpc>
-              <a:spcBef>
-                <a:spcPts val="850"/>
-              </a:spcBef>
-              <a:buNone/>
-              <a:tabLst>
-                <a:tab algn="l" pos="408240"/>
-              </a:tabLst>
-            </a:pPr>
-            <a:r>
-              <a:rPr b="0" lang="en-US" sz="1800" spc="-1" strike="noStrike">
-                <a:solidFill>
-                  <a:srgbClr val="000000"/>
-                </a:solidFill>
-                <a:latin typeface="Arial"/>
-                <a:ea typeface="DejaVu Sans"/>
-              </a:rPr>
-              <a:t>- Collections</a:t>
-            </a:r>
-            <a:endParaRPr b="0" lang="en-US" sz="1800" spc="-1" strike="noStrike">
-              <a:latin typeface="Arial"/>
-            </a:endParaRPr>
-          </a:p>
-          <a:p>
-            <a:pPr algn="ctr">
-              <a:lnSpc>
-                <a:spcPct val="100000"/>
-              </a:lnSpc>
-              <a:spcBef>
-                <a:spcPts val="850"/>
-              </a:spcBef>
-              <a:buNone/>
-              <a:tabLst>
-                <a:tab algn="l" pos="408240"/>
-              </a:tabLst>
-            </a:pPr>
-            <a:r>
-              <a:rPr b="0" lang="en-US" sz="1800" spc="-1" strike="noStrike">
-                <a:solidFill>
-                  <a:srgbClr val="000000"/>
-                </a:solidFill>
-                <a:latin typeface="Arial"/>
-                <a:ea typeface="DejaVu Sans"/>
-              </a:rPr>
-              <a:t>- Databases</a:t>
-            </a:r>
-            <a:endParaRPr b="0" lang="en-US" sz="1800" spc="-1" strike="noStrike">
-              <a:latin typeface="Arial"/>
-            </a:endParaRPr>
-          </a:p>
-          <a:p>
-            <a:pPr algn="ctr">
-              <a:lnSpc>
-                <a:spcPct val="100000"/>
-              </a:lnSpc>
-              <a:spcBef>
-                <a:spcPts val="850"/>
-              </a:spcBef>
-              <a:buNone/>
-              <a:tabLst>
-                <a:tab algn="l" pos="408240"/>
-              </a:tabLst>
-            </a:pPr>
-            <a:r>
-              <a:rPr b="0" lang="en-US" sz="1800" spc="-1" strike="noStrike">
-                <a:solidFill>
-                  <a:srgbClr val="000000"/>
-                </a:solidFill>
-                <a:latin typeface="Arial"/>
-                <a:ea typeface="DejaVu Sans"/>
-              </a:rPr>
-              <a:t>- Shards</a:t>
-            </a:r>
-            <a:endParaRPr b="0" lang="en-US" sz="1800" spc="-1" strike="noStrike">
-              <a:latin typeface="Arial"/>
-            </a:endParaRPr>
-          </a:p>
-        </p:txBody>
-      </p:sp>
+        </p:txBody>
+      </p:sp>
+      <p:pic>
+        <p:nvPicPr>
+          <p:cNvPr id="136" name="" descr=""/>
+          <p:cNvPicPr/>
+          <p:nvPr/>
+        </p:nvPicPr>
+        <p:blipFill>
+          <a:blip r:embed="rId2"/>
+          <a:stretch/>
+        </p:blipFill>
+        <p:spPr>
+          <a:xfrm>
+            <a:off x="0" y="1593000"/>
+            <a:ext cx="10076760" cy="3435840"/>
+          </a:xfrm>
+          <a:prstGeom prst="rect">
+            <a:avLst/>
+          </a:prstGeom>
+          <a:ln w="0">
+            <a:noFill/>
+          </a:ln>
+        </p:spPr>
+      </p:pic>
     </p:spTree>
   </p:cSld>
   <mc:AlternateContent>
@@ -6021,7 +6436,7 @@
         <p:spPr>
           <a:xfrm>
             <a:off x="1829160" y="1143000"/>
-            <a:ext cx="6855120" cy="3854880"/>
+            <a:ext cx="6854400" cy="3854160"/>
           </a:xfrm>
           <a:prstGeom prst="rect">
             <a:avLst/>
@@ -6071,14 +6486,14 @@
       </p:grpSpPr>
       <p:sp>
         <p:nvSpPr>
-          <p:cNvPr id="127" name=""/>
+          <p:cNvPr id="137" name=""/>
           <p:cNvSpPr/>
           <p:nvPr/>
         </p:nvSpPr>
         <p:spPr>
           <a:xfrm>
             <a:off x="503640" y="1326240"/>
-            <a:ext cx="9056520" cy="3276000"/>
+            <a:ext cx="9055080" cy="3274560"/>
           </a:xfrm>
           <a:prstGeom prst="rect">
             <a:avLst/>
@@ -6095,180 +6510,205 @@
           <a:fontRef idx="minor"/>
         </p:style>
         <p:txBody>
+          <a:bodyPr lIns="0" rIns="0" tIns="0" bIns="0" anchor="ctr">
+            <a:noAutofit/>
+          </a:bodyPr>
+          <a:p>
+            <a:pPr algn="ctr">
+              <a:lnSpc>
+                <a:spcPct val="100000"/>
+              </a:lnSpc>
+              <a:buNone/>
+              <a:tabLst>
+                <a:tab algn="l" pos="408240"/>
+              </a:tabLst>
+            </a:pPr>
+            <a:endParaRPr b="0" lang="en-US" sz="1800" spc="-1" strike="noStrike">
+              <a:latin typeface="Arial"/>
+            </a:endParaRPr>
+          </a:p>
+          <a:p>
+            <a:pPr algn="ctr">
+              <a:lnSpc>
+                <a:spcPct val="100000"/>
+              </a:lnSpc>
+              <a:buNone/>
+              <a:tabLst>
+                <a:tab algn="l" pos="408240"/>
+              </a:tabLst>
+            </a:pPr>
+            <a:endParaRPr b="0" lang="en-US" sz="1800" spc="-1" strike="noStrike">
+              <a:latin typeface="Arial"/>
+            </a:endParaRPr>
+          </a:p>
+          <a:p>
+            <a:pPr algn="ctr">
+              <a:lnSpc>
+                <a:spcPct val="100000"/>
+              </a:lnSpc>
+              <a:buNone/>
+              <a:tabLst>
+                <a:tab algn="l" pos="408240"/>
+              </a:tabLst>
+            </a:pPr>
+            <a:endParaRPr b="0" lang="en-US" sz="1800" spc="-1" strike="noStrike">
+              <a:latin typeface="Arial"/>
+            </a:endParaRPr>
+          </a:p>
+          <a:p>
+            <a:pPr algn="ctr">
+              <a:lnSpc>
+                <a:spcPct val="100000"/>
+              </a:lnSpc>
+              <a:buNone/>
+              <a:tabLst>
+                <a:tab algn="l" pos="408240"/>
+              </a:tabLst>
+            </a:pPr>
+            <a:endParaRPr b="0" lang="en-US" sz="1800" spc="-1" strike="noStrike">
+              <a:latin typeface="Arial"/>
+            </a:endParaRPr>
+          </a:p>
+          <a:p>
+            <a:pPr algn="ctr">
+              <a:lnSpc>
+                <a:spcPct val="100000"/>
+              </a:lnSpc>
+              <a:buNone/>
+              <a:tabLst>
+                <a:tab algn="l" pos="408240"/>
+              </a:tabLst>
+            </a:pPr>
+            <a:endParaRPr b="0" lang="en-US" sz="1800" spc="-1" strike="noStrike">
+              <a:latin typeface="Arial"/>
+            </a:endParaRPr>
+          </a:p>
+          <a:p>
+            <a:pPr algn="ctr">
+              <a:lnSpc>
+                <a:spcPct val="100000"/>
+              </a:lnSpc>
+              <a:buNone/>
+              <a:tabLst>
+                <a:tab algn="l" pos="408240"/>
+              </a:tabLst>
+            </a:pPr>
+            <a:endParaRPr b="0" lang="en-US" sz="1800" spc="-1" strike="noStrike">
+              <a:latin typeface="Arial"/>
+            </a:endParaRPr>
+          </a:p>
+          <a:p>
+            <a:pPr algn="ctr">
+              <a:lnSpc>
+                <a:spcPct val="100000"/>
+              </a:lnSpc>
+              <a:buNone/>
+              <a:tabLst>
+                <a:tab algn="l" pos="408240"/>
+              </a:tabLst>
+            </a:pPr>
+            <a:endParaRPr b="0" lang="en-US" sz="1800" spc="-1" strike="noStrike">
+              <a:latin typeface="Arial"/>
+            </a:endParaRPr>
+          </a:p>
+        </p:txBody>
+      </p:sp>
+      <p:sp>
+        <p:nvSpPr>
+          <p:cNvPr id="138" name=""/>
+          <p:cNvSpPr/>
+          <p:nvPr/>
+        </p:nvSpPr>
+        <p:spPr>
+          <a:xfrm>
+            <a:off x="503640" y="1326240"/>
+            <a:ext cx="9055800" cy="3275280"/>
+          </a:xfrm>
+          <a:prstGeom prst="rect">
+            <a:avLst/>
+          </a:prstGeom>
+          <a:noFill/>
+          <a:ln w="0">
+            <a:noFill/>
+          </a:ln>
+        </p:spPr>
+        <p:style>
+          <a:lnRef idx="0"/>
+          <a:fillRef idx="0"/>
+          <a:effectRef idx="0"/>
+          <a:fontRef idx="minor"/>
+        </p:style>
+        <p:txBody>
           <a:bodyPr lIns="0" rIns="0" tIns="0" bIns="0" anchor="t">
             <a:normAutofit/>
           </a:bodyPr>
           <a:p>
-            <a:pPr>
-              <a:lnSpc>
-                <a:spcPct val="100000"/>
-              </a:lnSpc>
-              <a:spcBef>
-                <a:spcPts val="1417"/>
-              </a:spcBef>
-              <a:buNone/>
-              <a:tabLst>
-                <a:tab algn="l" pos="408240"/>
-              </a:tabLst>
-            </a:pPr>
-            <a:endParaRPr b="0" lang="en-US" sz="1800" spc="-1" strike="noStrike">
-              <a:latin typeface="Arial"/>
-            </a:endParaRPr>
-          </a:p>
-          <a:p>
-            <a:pPr algn="ctr">
-              <a:lnSpc>
-                <a:spcPct val="100000"/>
-              </a:lnSpc>
-              <a:spcBef>
-                <a:spcPts val="850"/>
-              </a:spcBef>
-              <a:buNone/>
-              <a:tabLst>
-                <a:tab algn="l" pos="408240"/>
-              </a:tabLst>
-            </a:pPr>
-            <a:r>
-              <a:rPr b="0" lang="en-US" sz="3200" spc="-1" strike="noStrike">
-                <a:solidFill>
-                  <a:srgbClr val="000000"/>
-                </a:solidFill>
-                <a:latin typeface="Arial"/>
-                <a:ea typeface="DejaVu Sans"/>
-              </a:rPr>
-              <a:t>And more</a:t>
-            </a:r>
+            <a:pPr algn="ctr">
+              <a:lnSpc>
+                <a:spcPct val="100000"/>
+              </a:lnSpc>
+              <a:buNone/>
+              <a:tabLst>
+                <a:tab algn="l" pos="408240"/>
+              </a:tabLst>
+            </a:pPr>
+            <a:endParaRPr b="0" lang="en-US" sz="1800" spc="-1" strike="noStrike">
+              <a:latin typeface="Arial"/>
+            </a:endParaRPr>
+          </a:p>
+          <a:p>
+            <a:pPr algn="ctr">
+              <a:lnSpc>
+                <a:spcPct val="100000"/>
+              </a:lnSpc>
+              <a:buNone/>
+              <a:tabLst>
+                <a:tab algn="l" pos="408240"/>
+              </a:tabLst>
+            </a:pPr>
+            <a:endParaRPr b="0" lang="en-US" sz="1800" spc="-1" strike="noStrike">
+              <a:latin typeface="Arial"/>
+            </a:endParaRPr>
+          </a:p>
+          <a:p>
+            <a:pPr algn="ctr">
+              <a:lnSpc>
+                <a:spcPct val="100000"/>
+              </a:lnSpc>
+              <a:buNone/>
+              <a:tabLst>
+                <a:tab algn="l" pos="408240"/>
+              </a:tabLst>
+            </a:pPr>
             <a:endParaRPr b="0" lang="en-US" sz="3200" spc="-1" strike="noStrike">
               <a:latin typeface="Arial"/>
             </a:endParaRPr>
           </a:p>
-          <a:p>
-            <a:pPr algn="ctr">
-              <a:lnSpc>
-                <a:spcPct val="100000"/>
-              </a:lnSpc>
-              <a:spcBef>
-                <a:spcPts val="850"/>
-              </a:spcBef>
-              <a:buNone/>
-              <a:tabLst>
-                <a:tab algn="l" pos="408240"/>
-              </a:tabLst>
-            </a:pPr>
-            <a:endParaRPr b="0" lang="en-US" sz="2000" spc="-1" strike="noStrike">
-              <a:latin typeface="Arial"/>
-            </a:endParaRPr>
-          </a:p>
-          <a:p>
-            <a:pPr algn="ctr">
-              <a:lnSpc>
-                <a:spcPct val="100000"/>
-              </a:lnSpc>
-              <a:spcBef>
-                <a:spcPts val="850"/>
-              </a:spcBef>
-              <a:buNone/>
-              <a:tabLst>
-                <a:tab algn="l" pos="408240"/>
-              </a:tabLst>
-            </a:pPr>
-            <a:r>
-              <a:rPr b="0" lang="en-US" sz="1800" spc="-1" strike="noStrike">
-                <a:solidFill>
-                  <a:srgbClr val="000000"/>
-                </a:solidFill>
-                <a:latin typeface="Arial"/>
-                <a:ea typeface="DejaVu Sans"/>
-              </a:rPr>
-              <a:t>- Document references</a:t>
-            </a:r>
-            <a:endParaRPr b="0" lang="en-US" sz="1800" spc="-1" strike="noStrike">
-              <a:latin typeface="Arial"/>
-            </a:endParaRPr>
-          </a:p>
-          <a:p>
-            <a:pPr algn="ctr">
-              <a:lnSpc>
-                <a:spcPct val="100000"/>
-              </a:lnSpc>
-              <a:spcBef>
-                <a:spcPts val="850"/>
-              </a:spcBef>
-              <a:buNone/>
-              <a:tabLst>
-                <a:tab algn="l" pos="408240"/>
-              </a:tabLst>
-            </a:pPr>
-            <a:r>
-              <a:rPr b="0" lang="en-US" sz="1800" spc="-1" strike="noStrike">
-                <a:solidFill>
-                  <a:srgbClr val="000000"/>
-                </a:solidFill>
-                <a:latin typeface="Arial"/>
-                <a:ea typeface="DejaVu Sans"/>
-              </a:rPr>
-              <a:t>- Time series</a:t>
-            </a:r>
-            <a:endParaRPr b="0" lang="en-US" sz="1800" spc="-1" strike="noStrike">
-              <a:latin typeface="Arial"/>
-            </a:endParaRPr>
-          </a:p>
-          <a:p>
-            <a:pPr algn="ctr">
-              <a:lnSpc>
-                <a:spcPct val="100000"/>
-              </a:lnSpc>
-              <a:spcBef>
-                <a:spcPts val="850"/>
-              </a:spcBef>
-              <a:buNone/>
-              <a:tabLst>
-                <a:tab algn="l" pos="408240"/>
-              </a:tabLst>
-            </a:pPr>
-            <a:r>
-              <a:rPr b="0" lang="en-US" sz="1800" spc="-1" strike="noStrike">
-                <a:solidFill>
-                  <a:srgbClr val="000000"/>
-                </a:solidFill>
-                <a:latin typeface="Arial"/>
-                <a:ea typeface="DejaVu Sans"/>
-              </a:rPr>
-              <a:t>- Tree structures</a:t>
-            </a:r>
-            <a:endParaRPr b="0" lang="en-US" sz="1800" spc="-1" strike="noStrike">
-              <a:latin typeface="Arial"/>
-            </a:endParaRPr>
-          </a:p>
-          <a:p>
-            <a:pPr algn="ctr">
-              <a:lnSpc>
-                <a:spcPct val="100000"/>
-              </a:lnSpc>
-              <a:spcBef>
-                <a:spcPts val="850"/>
-              </a:spcBef>
-              <a:buNone/>
-              <a:tabLst>
-                <a:tab algn="l" pos="408240"/>
-              </a:tabLst>
-            </a:pPr>
-            <a:r>
-              <a:rPr b="0" lang="en-US" sz="1800" spc="-1" strike="noStrike">
-                <a:solidFill>
-                  <a:srgbClr val="000000"/>
-                </a:solidFill>
-                <a:latin typeface="Arial"/>
-                <a:ea typeface="DejaVu Sans"/>
-              </a:rPr>
-              <a:t>- Etc.</a:t>
-            </a:r>
-            <a:endParaRPr b="0" lang="en-US" sz="1800" spc="-1" strike="noStrike">
-              <a:latin typeface="Arial"/>
-            </a:endParaRPr>
-          </a:p>
-        </p:txBody>
-      </p:sp>
+        </p:txBody>
+      </p:sp>
+      <p:pic>
+        <p:nvPicPr>
+          <p:cNvPr id="139" name="" descr=""/>
+          <p:cNvPicPr/>
+          <p:nvPr/>
+        </p:nvPicPr>
+        <p:blipFill>
+          <a:blip r:embed="rId2"/>
+          <a:stretch/>
+        </p:blipFill>
+        <p:spPr>
+          <a:xfrm>
+            <a:off x="360" y="1593000"/>
+            <a:ext cx="10076760" cy="3435840"/>
+          </a:xfrm>
+          <a:prstGeom prst="rect">
+            <a:avLst/>
+          </a:prstGeom>
+          <a:ln w="0">
+            <a:noFill/>
+          </a:ln>
+        </p:spPr>
+      </p:pic>
     </p:spTree>
   </p:cSld>
   <mc:AlternateContent>
@@ -6307,9 +6747,247 @@
           <a:chExt cx="0" cy="0"/>
         </a:xfrm>
       </p:grpSpPr>
+      <p:sp>
+        <p:nvSpPr>
+          <p:cNvPr id="140" name=""/>
+          <p:cNvSpPr/>
+          <p:nvPr/>
+        </p:nvSpPr>
+        <p:spPr>
+          <a:xfrm>
+            <a:off x="503640" y="1371240"/>
+            <a:ext cx="9055800" cy="3275280"/>
+          </a:xfrm>
+          <a:prstGeom prst="rect">
+            <a:avLst/>
+          </a:prstGeom>
+          <a:noFill/>
+          <a:ln w="0">
+            <a:noFill/>
+          </a:ln>
+        </p:spPr>
+        <p:style>
+          <a:lnRef idx="0"/>
+          <a:fillRef idx="0"/>
+          <a:effectRef idx="0"/>
+          <a:fontRef idx="minor"/>
+        </p:style>
+        <p:txBody>
+          <a:bodyPr lIns="0" rIns="0" tIns="0" bIns="0" anchor="t">
+            <a:normAutofit/>
+          </a:bodyPr>
+          <a:p>
+            <a:pPr>
+              <a:lnSpc>
+                <a:spcPct val="100000"/>
+              </a:lnSpc>
+              <a:spcBef>
+                <a:spcPts val="1417"/>
+              </a:spcBef>
+              <a:buNone/>
+              <a:tabLst>
+                <a:tab algn="l" pos="408240"/>
+              </a:tabLst>
+            </a:pPr>
+            <a:endParaRPr b="0" lang="en-US" sz="1800" spc="-1" strike="noStrike">
+              <a:latin typeface="Arial"/>
+            </a:endParaRPr>
+          </a:p>
+          <a:p>
+            <a:pPr algn="ctr">
+              <a:lnSpc>
+                <a:spcPct val="100000"/>
+              </a:lnSpc>
+              <a:spcBef>
+                <a:spcPts val="1417"/>
+              </a:spcBef>
+              <a:buNone/>
+              <a:tabLst>
+                <a:tab algn="l" pos="408240"/>
+              </a:tabLst>
+            </a:pPr>
+            <a:r>
+              <a:rPr b="1" lang="en-US" sz="3200" spc="-1" strike="noStrike">
+                <a:solidFill>
+                  <a:srgbClr val="000000"/>
+                </a:solidFill>
+                <a:latin typeface="Arial"/>
+                <a:ea typeface="DejaVu Sans"/>
+              </a:rPr>
+              <a:t>Aggregate pipelines</a:t>
+            </a:r>
+            <a:endParaRPr b="0" lang="en-US" sz="3200" spc="-1" strike="noStrike">
+              <a:latin typeface="Arial"/>
+            </a:endParaRPr>
+          </a:p>
+          <a:p>
+            <a:pPr algn="ctr">
+              <a:lnSpc>
+                <a:spcPct val="100000"/>
+              </a:lnSpc>
+              <a:spcBef>
+                <a:spcPts val="850"/>
+              </a:spcBef>
+              <a:buNone/>
+              <a:tabLst>
+                <a:tab algn="l" pos="408240"/>
+              </a:tabLst>
+            </a:pPr>
+            <a:r>
+              <a:rPr b="0" lang="en-US" sz="2000" spc="-1" strike="noStrike">
+                <a:solidFill>
+                  <a:srgbClr val="000000"/>
+                </a:solidFill>
+                <a:latin typeface="Arial"/>
+                <a:ea typeface="DejaVu Sans"/>
+              </a:rPr>
+              <a:t>Multi-stage pipelines that transform documents into aggregated results</a:t>
+            </a:r>
+            <a:endParaRPr b="0" lang="en-US" sz="2000" spc="-1" strike="noStrike">
+              <a:latin typeface="Arial"/>
+            </a:endParaRPr>
+          </a:p>
+          <a:p>
+            <a:pPr algn="ctr">
+              <a:lnSpc>
+                <a:spcPct val="100000"/>
+              </a:lnSpc>
+              <a:spcBef>
+                <a:spcPts val="850"/>
+              </a:spcBef>
+              <a:buNone/>
+              <a:tabLst>
+                <a:tab algn="l" pos="408240"/>
+              </a:tabLst>
+            </a:pPr>
+            <a:endParaRPr b="0" lang="en-US" sz="2000" spc="-1" strike="noStrike">
+              <a:latin typeface="Arial"/>
+            </a:endParaRPr>
+          </a:p>
+          <a:p>
+            <a:pPr algn="ctr">
+              <a:lnSpc>
+                <a:spcPct val="100000"/>
+              </a:lnSpc>
+              <a:spcBef>
+                <a:spcPts val="850"/>
+              </a:spcBef>
+              <a:buNone/>
+              <a:tabLst>
+                <a:tab algn="l" pos="408240"/>
+              </a:tabLst>
+            </a:pPr>
+            <a:r>
+              <a:rPr b="0" lang="en-US" sz="1800" spc="-1" strike="noStrike">
+                <a:solidFill>
+                  <a:srgbClr val="000000"/>
+                </a:solidFill>
+                <a:latin typeface="Arial"/>
+                <a:ea typeface="DejaVu Sans"/>
+              </a:rPr>
+              <a:t>- Simplify complex queries</a:t>
+            </a:r>
+            <a:endParaRPr b="0" lang="en-US" sz="1800" spc="-1" strike="noStrike">
+              <a:latin typeface="Arial"/>
+            </a:endParaRPr>
+          </a:p>
+          <a:p>
+            <a:pPr algn="ctr">
+              <a:lnSpc>
+                <a:spcPct val="100000"/>
+              </a:lnSpc>
+              <a:spcBef>
+                <a:spcPts val="850"/>
+              </a:spcBef>
+              <a:buNone/>
+              <a:tabLst>
+                <a:tab algn="l" pos="408240"/>
+              </a:tabLst>
+            </a:pPr>
+            <a:r>
+              <a:rPr b="0" lang="en-US" sz="1800" spc="-1" strike="noStrike">
+                <a:solidFill>
+                  <a:srgbClr val="000000"/>
+                </a:solidFill>
+                <a:latin typeface="Arial"/>
+                <a:ea typeface="DejaVu Sans"/>
+              </a:rPr>
+              <a:t>- Create new documents</a:t>
+            </a:r>
+            <a:endParaRPr b="0" lang="en-US" sz="1800" spc="-1" strike="noStrike">
+              <a:latin typeface="Arial"/>
+            </a:endParaRPr>
+          </a:p>
+          <a:p>
+            <a:pPr algn="ctr">
+              <a:lnSpc>
+                <a:spcPct val="100000"/>
+              </a:lnSpc>
+              <a:spcBef>
+                <a:spcPts val="850"/>
+              </a:spcBef>
+              <a:buNone/>
+              <a:tabLst>
+                <a:tab algn="l" pos="408240"/>
+              </a:tabLst>
+            </a:pPr>
+            <a:r>
+              <a:rPr b="0" lang="en-US" sz="1800" spc="-1" strike="noStrike">
+                <a:solidFill>
+                  <a:srgbClr val="000000"/>
+                </a:solidFill>
+                <a:latin typeface="Arial"/>
+                <a:ea typeface="DejaVu Sans"/>
+              </a:rPr>
+              <a:t>- Sorting, grouping, aggregating etc.</a:t>
+            </a:r>
+            <a:endParaRPr b="0" lang="en-US" sz="1800" spc="-1" strike="noStrike">
+              <a:latin typeface="Arial"/>
+            </a:endParaRPr>
+          </a:p>
+        </p:txBody>
+      </p:sp>
+    </p:spTree>
+  </p:cSld>
+  <mc:AlternateContent>
+    <mc:Choice Requires="p14">
+      <p:transition spd="slow" p14:dur="2000"/>
+    </mc:Choice>
+    <mc:Fallback>
+      <p:transition spd="slow"/>
+    </mc:Fallback>
+  </mc:AlternateContent>
+</p:sld>
+</file>
+
+<file path=ppt/slides/slide22.xml><?xml version="1.0" encoding="utf-8"?>
+<p:sld xmlns:a="http://schemas.openxmlformats.org/drawingml/2006/main" xmlns:p="http://schemas.openxmlformats.org/presentationml/2006/main" xmlns:r="http://schemas.openxmlformats.org/officeDocument/2006/relationships" xmlns:p14="http://schemas.microsoft.com/office/powerpoint/2010/main" xmlns:p15="http://schemas.microsoft.com/office/powerpoint/2012/main" xmlns:mc="http://schemas.openxmlformats.org/markup-compatibility/2006">
+  <p:cSld>
+    <p:bg>
+      <p:bgPr>
+        <a:blipFill rotWithShape="0">
+          <a:blip r:embed="rId1"/>
+          <a:stretch/>
+        </a:blipFill>
+      </p:bgPr>
+    </p:bg>
+    <p:spTree>
+      <p:nvGrpSpPr>
+        <p:cNvPr id="1" name=""/>
+        <p:cNvGrpSpPr/>
+        <p:nvPr/>
+      </p:nvGrpSpPr>
+      <p:grpSpPr>
+        <a:xfrm>
+          <a:off x="0" y="0"/>
+          <a:ext cx="0" cy="0"/>
+          <a:chOff x="0" y="0"/>
+          <a:chExt cx="0" cy="0"/>
+        </a:xfrm>
+      </p:grpSpPr>
       <p:pic>
         <p:nvPicPr>
-          <p:cNvPr id="128" name="" descr=""/>
+          <p:cNvPr id="141" name="" descr=""/>
           <p:cNvPicPr/>
           <p:nvPr/>
         </p:nvPicPr>
@@ -6319,8 +6997,8 @@
         </p:blipFill>
         <p:spPr>
           <a:xfrm>
-            <a:off x="3886200" y="1828800"/>
-            <a:ext cx="2054520" cy="2054520"/>
+            <a:off x="0" y="1600200"/>
+            <a:ext cx="10076760" cy="2971440"/>
           </a:xfrm>
           <a:prstGeom prst="rect">
             <a:avLst/>
@@ -6330,6 +7008,596 @@
           </a:ln>
         </p:spPr>
       </p:pic>
+    </p:spTree>
+  </p:cSld>
+  <mc:AlternateContent>
+    <mc:Choice Requires="p14">
+      <p:transition spd="slow" p14:dur="2000"/>
+    </mc:Choice>
+    <mc:Fallback>
+      <p:transition spd="slow"/>
+    </mc:Fallback>
+  </mc:AlternateContent>
+</p:sld>
+</file>
+
+<file path=ppt/slides/slide23.xml><?xml version="1.0" encoding="utf-8"?>
+<p:sld xmlns:a="http://schemas.openxmlformats.org/drawingml/2006/main" xmlns:p="http://schemas.openxmlformats.org/presentationml/2006/main" xmlns:r="http://schemas.openxmlformats.org/officeDocument/2006/relationships" xmlns:p14="http://schemas.microsoft.com/office/powerpoint/2010/main" xmlns:p15="http://schemas.microsoft.com/office/powerpoint/2012/main" xmlns:mc="http://schemas.openxmlformats.org/markup-compatibility/2006">
+  <p:cSld>
+    <p:bg>
+      <p:bgPr>
+        <a:blipFill rotWithShape="0">
+          <a:blip r:embed="rId1"/>
+          <a:stretch/>
+        </a:blipFill>
+      </p:bgPr>
+    </p:bg>
+    <p:spTree>
+      <p:nvGrpSpPr>
+        <p:cNvPr id="1" name=""/>
+        <p:cNvGrpSpPr/>
+        <p:nvPr/>
+      </p:nvGrpSpPr>
+      <p:grpSpPr>
+        <a:xfrm>
+          <a:off x="0" y="0"/>
+          <a:ext cx="0" cy="0"/>
+          <a:chOff x="0" y="0"/>
+          <a:chExt cx="0" cy="0"/>
+        </a:xfrm>
+      </p:grpSpPr>
+      <p:pic>
+        <p:nvPicPr>
+          <p:cNvPr id="142" name="" descr=""/>
+          <p:cNvPicPr/>
+          <p:nvPr/>
+        </p:nvPicPr>
+        <p:blipFill>
+          <a:blip r:embed="rId2"/>
+          <a:stretch/>
+        </p:blipFill>
+        <p:spPr>
+          <a:xfrm>
+            <a:off x="0" y="1600200"/>
+            <a:ext cx="10076760" cy="2971440"/>
+          </a:xfrm>
+          <a:prstGeom prst="rect">
+            <a:avLst/>
+          </a:prstGeom>
+          <a:ln w="0">
+            <a:noFill/>
+          </a:ln>
+        </p:spPr>
+      </p:pic>
+    </p:spTree>
+  </p:cSld>
+  <mc:AlternateContent>
+    <mc:Choice Requires="p14">
+      <p:transition spd="slow" p14:dur="2000"/>
+    </mc:Choice>
+    <mc:Fallback>
+      <p:transition spd="slow"/>
+    </mc:Fallback>
+  </mc:AlternateContent>
+</p:sld>
+</file>
+
+<file path=ppt/slides/slide24.xml><?xml version="1.0" encoding="utf-8"?>
+<p:sld xmlns:a="http://schemas.openxmlformats.org/drawingml/2006/main" xmlns:p="http://schemas.openxmlformats.org/presentationml/2006/main" xmlns:r="http://schemas.openxmlformats.org/officeDocument/2006/relationships" xmlns:p14="http://schemas.microsoft.com/office/powerpoint/2010/main" xmlns:p15="http://schemas.microsoft.com/office/powerpoint/2012/main" xmlns:mc="http://schemas.openxmlformats.org/markup-compatibility/2006">
+  <p:cSld>
+    <p:bg>
+      <p:bgPr>
+        <a:blipFill rotWithShape="0">
+          <a:blip r:embed="rId1"/>
+          <a:stretch/>
+        </a:blipFill>
+      </p:bgPr>
+    </p:bg>
+    <p:spTree>
+      <p:nvGrpSpPr>
+        <p:cNvPr id="1" name=""/>
+        <p:cNvGrpSpPr/>
+        <p:nvPr/>
+      </p:nvGrpSpPr>
+      <p:grpSpPr>
+        <a:xfrm>
+          <a:off x="0" y="0"/>
+          <a:ext cx="0" cy="0"/>
+          <a:chOff x="0" y="0"/>
+          <a:chExt cx="0" cy="0"/>
+        </a:xfrm>
+      </p:grpSpPr>
+      <p:pic>
+        <p:nvPicPr>
+          <p:cNvPr id="143" name="" descr=""/>
+          <p:cNvPicPr/>
+          <p:nvPr/>
+        </p:nvPicPr>
+        <p:blipFill>
+          <a:blip r:embed="rId2"/>
+          <a:stretch/>
+        </p:blipFill>
+        <p:spPr>
+          <a:xfrm>
+            <a:off x="360" y="1600200"/>
+            <a:ext cx="10076760" cy="2971440"/>
+          </a:xfrm>
+          <a:prstGeom prst="rect">
+            <a:avLst/>
+          </a:prstGeom>
+          <a:ln w="0">
+            <a:noFill/>
+          </a:ln>
+        </p:spPr>
+      </p:pic>
+    </p:spTree>
+  </p:cSld>
+  <mc:AlternateContent>
+    <mc:Choice Requires="p14">
+      <p:transition spd="slow" p14:dur="2000"/>
+    </mc:Choice>
+    <mc:Fallback>
+      <p:transition spd="slow"/>
+    </mc:Fallback>
+  </mc:AlternateContent>
+</p:sld>
+</file>
+
+<file path=ppt/slides/slide25.xml><?xml version="1.0" encoding="utf-8"?>
+<p:sld xmlns:a="http://schemas.openxmlformats.org/drawingml/2006/main" xmlns:p="http://schemas.openxmlformats.org/presentationml/2006/main" xmlns:r="http://schemas.openxmlformats.org/officeDocument/2006/relationships" xmlns:p14="http://schemas.microsoft.com/office/powerpoint/2010/main" xmlns:p15="http://schemas.microsoft.com/office/powerpoint/2012/main" xmlns:mc="http://schemas.openxmlformats.org/markup-compatibility/2006">
+  <p:cSld>
+    <p:bg>
+      <p:bgPr>
+        <a:blipFill rotWithShape="0">
+          <a:blip r:embed="rId1"/>
+          <a:stretch/>
+        </a:blipFill>
+      </p:bgPr>
+    </p:bg>
+    <p:spTree>
+      <p:nvGrpSpPr>
+        <p:cNvPr id="1" name=""/>
+        <p:cNvGrpSpPr/>
+        <p:nvPr/>
+      </p:nvGrpSpPr>
+      <p:grpSpPr>
+        <a:xfrm>
+          <a:off x="0" y="0"/>
+          <a:ext cx="0" cy="0"/>
+          <a:chOff x="0" y="0"/>
+          <a:chExt cx="0" cy="0"/>
+        </a:xfrm>
+      </p:grpSpPr>
+      <p:pic>
+        <p:nvPicPr>
+          <p:cNvPr id="144" name="" descr=""/>
+          <p:cNvPicPr/>
+          <p:nvPr/>
+        </p:nvPicPr>
+        <p:blipFill>
+          <a:blip r:embed="rId2"/>
+          <a:stretch/>
+        </p:blipFill>
+        <p:spPr>
+          <a:xfrm>
+            <a:off x="0" y="1600200"/>
+            <a:ext cx="10076760" cy="2971440"/>
+          </a:xfrm>
+          <a:prstGeom prst="rect">
+            <a:avLst/>
+          </a:prstGeom>
+          <a:ln w="0">
+            <a:noFill/>
+          </a:ln>
+        </p:spPr>
+      </p:pic>
+    </p:spTree>
+  </p:cSld>
+  <mc:AlternateContent>
+    <mc:Choice Requires="p14">
+      <p:transition spd="slow" p14:dur="2000"/>
+    </mc:Choice>
+    <mc:Fallback>
+      <p:transition spd="slow"/>
+    </mc:Fallback>
+  </mc:AlternateContent>
+</p:sld>
+</file>
+
+<file path=ppt/slides/slide26.xml><?xml version="1.0" encoding="utf-8"?>
+<p:sld xmlns:a="http://schemas.openxmlformats.org/drawingml/2006/main" xmlns:p="http://schemas.openxmlformats.org/presentationml/2006/main" xmlns:r="http://schemas.openxmlformats.org/officeDocument/2006/relationships" xmlns:p14="http://schemas.microsoft.com/office/powerpoint/2010/main" xmlns:p15="http://schemas.microsoft.com/office/powerpoint/2012/main" xmlns:mc="http://schemas.openxmlformats.org/markup-compatibility/2006">
+  <p:cSld>
+    <p:bg>
+      <p:bgPr>
+        <a:blipFill rotWithShape="0">
+          <a:blip r:embed="rId1"/>
+          <a:stretch/>
+        </a:blipFill>
+      </p:bgPr>
+    </p:bg>
+    <p:spTree>
+      <p:nvGrpSpPr>
+        <p:cNvPr id="1" name=""/>
+        <p:cNvGrpSpPr/>
+        <p:nvPr/>
+      </p:nvGrpSpPr>
+      <p:grpSpPr>
+        <a:xfrm>
+          <a:off x="0" y="0"/>
+          <a:ext cx="0" cy="0"/>
+          <a:chOff x="0" y="0"/>
+          <a:chExt cx="0" cy="0"/>
+        </a:xfrm>
+      </p:grpSpPr>
+      <p:pic>
+        <p:nvPicPr>
+          <p:cNvPr id="145" name="" descr=""/>
+          <p:cNvPicPr/>
+          <p:nvPr/>
+        </p:nvPicPr>
+        <p:blipFill>
+          <a:blip r:embed="rId2"/>
+          <a:stretch/>
+        </p:blipFill>
+        <p:spPr>
+          <a:xfrm>
+            <a:off x="0" y="1600200"/>
+            <a:ext cx="10076760" cy="2971440"/>
+          </a:xfrm>
+          <a:prstGeom prst="rect">
+            <a:avLst/>
+          </a:prstGeom>
+          <a:ln w="0">
+            <a:noFill/>
+          </a:ln>
+        </p:spPr>
+      </p:pic>
+    </p:spTree>
+  </p:cSld>
+  <mc:AlternateContent>
+    <mc:Choice Requires="p14">
+      <p:transition spd="slow" p14:dur="2000"/>
+    </mc:Choice>
+    <mc:Fallback>
+      <p:transition spd="slow"/>
+    </mc:Fallback>
+  </mc:AlternateContent>
+</p:sld>
+</file>
+
+<file path=ppt/slides/slide27.xml><?xml version="1.0" encoding="utf-8"?>
+<p:sld xmlns:a="http://schemas.openxmlformats.org/drawingml/2006/main" xmlns:p="http://schemas.openxmlformats.org/presentationml/2006/main" xmlns:r="http://schemas.openxmlformats.org/officeDocument/2006/relationships" xmlns:p14="http://schemas.microsoft.com/office/powerpoint/2010/main" xmlns:p15="http://schemas.microsoft.com/office/powerpoint/2012/main" xmlns:mc="http://schemas.openxmlformats.org/markup-compatibility/2006">
+  <p:cSld>
+    <p:bg>
+      <p:bgPr>
+        <a:blipFill rotWithShape="0">
+          <a:blip r:embed="rId1"/>
+          <a:stretch/>
+        </a:blipFill>
+      </p:bgPr>
+    </p:bg>
+    <p:spTree>
+      <p:nvGrpSpPr>
+        <p:cNvPr id="1" name=""/>
+        <p:cNvGrpSpPr/>
+        <p:nvPr/>
+      </p:nvGrpSpPr>
+      <p:grpSpPr>
+        <a:xfrm>
+          <a:off x="0" y="0"/>
+          <a:ext cx="0" cy="0"/>
+          <a:chOff x="0" y="0"/>
+          <a:chExt cx="0" cy="0"/>
+        </a:xfrm>
+      </p:grpSpPr>
+      <p:pic>
+        <p:nvPicPr>
+          <p:cNvPr id="146" name="" descr=""/>
+          <p:cNvPicPr/>
+          <p:nvPr/>
+        </p:nvPicPr>
+        <p:blipFill>
+          <a:blip r:embed="rId2"/>
+          <a:stretch/>
+        </p:blipFill>
+        <p:spPr>
+          <a:xfrm>
+            <a:off x="0" y="1600200"/>
+            <a:ext cx="10076760" cy="2971440"/>
+          </a:xfrm>
+          <a:prstGeom prst="rect">
+            <a:avLst/>
+          </a:prstGeom>
+          <a:ln w="0">
+            <a:noFill/>
+          </a:ln>
+        </p:spPr>
+      </p:pic>
+    </p:spTree>
+  </p:cSld>
+  <mc:AlternateContent>
+    <mc:Choice Requires="p14">
+      <p:transition spd="slow" p14:dur="2000"/>
+    </mc:Choice>
+    <mc:Fallback>
+      <p:transition spd="slow"/>
+    </mc:Fallback>
+  </mc:AlternateContent>
+</p:sld>
+</file>
+
+<file path=ppt/slides/slide28.xml><?xml version="1.0" encoding="utf-8"?>
+<p:sld xmlns:a="http://schemas.openxmlformats.org/drawingml/2006/main" xmlns:p="http://schemas.openxmlformats.org/presentationml/2006/main" xmlns:r="http://schemas.openxmlformats.org/officeDocument/2006/relationships" xmlns:p14="http://schemas.microsoft.com/office/powerpoint/2010/main" xmlns:p15="http://schemas.microsoft.com/office/powerpoint/2012/main" xmlns:mc="http://schemas.openxmlformats.org/markup-compatibility/2006">
+  <p:cSld>
+    <p:bg>
+      <p:bgPr>
+        <a:blipFill rotWithShape="0">
+          <a:blip r:embed="rId1"/>
+          <a:stretch/>
+        </a:blipFill>
+      </p:bgPr>
+    </p:bg>
+    <p:spTree>
+      <p:nvGrpSpPr>
+        <p:cNvPr id="1" name=""/>
+        <p:cNvGrpSpPr/>
+        <p:nvPr/>
+      </p:nvGrpSpPr>
+      <p:grpSpPr>
+        <a:xfrm>
+          <a:off x="0" y="0"/>
+          <a:ext cx="0" cy="0"/>
+          <a:chOff x="0" y="0"/>
+          <a:chExt cx="0" cy="0"/>
+        </a:xfrm>
+      </p:grpSpPr>
+      <p:pic>
+        <p:nvPicPr>
+          <p:cNvPr id="147" name="" descr=""/>
+          <p:cNvPicPr/>
+          <p:nvPr/>
+        </p:nvPicPr>
+        <p:blipFill>
+          <a:blip r:embed="rId2"/>
+          <a:stretch/>
+        </p:blipFill>
+        <p:spPr>
+          <a:xfrm>
+            <a:off x="360" y="1600200"/>
+            <a:ext cx="10076760" cy="2971440"/>
+          </a:xfrm>
+          <a:prstGeom prst="rect">
+            <a:avLst/>
+          </a:prstGeom>
+          <a:ln w="0">
+            <a:noFill/>
+          </a:ln>
+        </p:spPr>
+      </p:pic>
+    </p:spTree>
+  </p:cSld>
+  <mc:AlternateContent>
+    <mc:Choice Requires="p14">
+      <p:transition spd="slow" p14:dur="2000"/>
+    </mc:Choice>
+    <mc:Fallback>
+      <p:transition spd="slow"/>
+    </mc:Fallback>
+  </mc:AlternateContent>
+</p:sld>
+</file>
+
+<file path=ppt/slides/slide29.xml><?xml version="1.0" encoding="utf-8"?>
+<p:sld xmlns:a="http://schemas.openxmlformats.org/drawingml/2006/main" xmlns:p="http://schemas.openxmlformats.org/presentationml/2006/main" xmlns:r="http://schemas.openxmlformats.org/officeDocument/2006/relationships" xmlns:p14="http://schemas.microsoft.com/office/powerpoint/2010/main" xmlns:p15="http://schemas.microsoft.com/office/powerpoint/2012/main" xmlns:mc="http://schemas.openxmlformats.org/markup-compatibility/2006">
+  <p:cSld>
+    <p:bg>
+      <p:bgPr>
+        <a:blipFill rotWithShape="0">
+          <a:blip r:embed="rId1"/>
+          <a:stretch/>
+        </a:blipFill>
+      </p:bgPr>
+    </p:bg>
+    <p:spTree>
+      <p:nvGrpSpPr>
+        <p:cNvPr id="1" name=""/>
+        <p:cNvGrpSpPr/>
+        <p:nvPr/>
+      </p:nvGrpSpPr>
+      <p:grpSpPr>
+        <a:xfrm>
+          <a:off x="0" y="0"/>
+          <a:ext cx="0" cy="0"/>
+          <a:chOff x="0" y="0"/>
+          <a:chExt cx="0" cy="0"/>
+        </a:xfrm>
+      </p:grpSpPr>
+      <p:sp>
+        <p:nvSpPr>
+          <p:cNvPr id="148" name=""/>
+          <p:cNvSpPr/>
+          <p:nvPr/>
+        </p:nvSpPr>
+        <p:spPr>
+          <a:xfrm>
+            <a:off x="503640" y="1326240"/>
+            <a:ext cx="9055800" cy="3275280"/>
+          </a:xfrm>
+          <a:prstGeom prst="rect">
+            <a:avLst/>
+          </a:prstGeom>
+          <a:noFill/>
+          <a:ln w="0">
+            <a:noFill/>
+          </a:ln>
+        </p:spPr>
+        <p:style>
+          <a:lnRef idx="0"/>
+          <a:fillRef idx="0"/>
+          <a:effectRef idx="0"/>
+          <a:fontRef idx="minor"/>
+        </p:style>
+        <p:txBody>
+          <a:bodyPr lIns="0" rIns="0" tIns="0" bIns="0" anchor="t">
+            <a:normAutofit/>
+          </a:bodyPr>
+          <a:p>
+            <a:pPr>
+              <a:lnSpc>
+                <a:spcPct val="100000"/>
+              </a:lnSpc>
+              <a:spcBef>
+                <a:spcPts val="1417"/>
+              </a:spcBef>
+              <a:buNone/>
+              <a:tabLst>
+                <a:tab algn="l" pos="408240"/>
+              </a:tabLst>
+            </a:pPr>
+            <a:endParaRPr b="0" lang="en-US" sz="1800" spc="-1" strike="noStrike">
+              <a:latin typeface="Arial"/>
+            </a:endParaRPr>
+          </a:p>
+          <a:p>
+            <a:pPr algn="ctr">
+              <a:lnSpc>
+                <a:spcPct val="100000"/>
+              </a:lnSpc>
+              <a:spcBef>
+                <a:spcPts val="850"/>
+              </a:spcBef>
+              <a:buNone/>
+              <a:tabLst>
+                <a:tab algn="l" pos="408240"/>
+              </a:tabLst>
+            </a:pPr>
+            <a:r>
+              <a:rPr b="0" lang="en-US" sz="3200" spc="-1" strike="noStrike">
+                <a:solidFill>
+                  <a:srgbClr val="000000"/>
+                </a:solidFill>
+                <a:latin typeface="Arial"/>
+                <a:ea typeface="DejaVu Sans"/>
+              </a:rPr>
+              <a:t>Change streams</a:t>
+            </a:r>
+            <a:br>
+              <a:rPr sz="3200"/>
+            </a:br>
+            <a:r>
+              <a:rPr b="0" lang="en-US" sz="2000" spc="-1" strike="noStrike">
+                <a:solidFill>
+                  <a:srgbClr val="000000"/>
+                </a:solidFill>
+                <a:latin typeface="Arial"/>
+                <a:ea typeface="DejaVu Sans"/>
+              </a:rPr>
+              <a:t>Access real-time data changes on:</a:t>
+            </a:r>
+            <a:endParaRPr b="0" lang="en-US" sz="2000" spc="-1" strike="noStrike">
+              <a:latin typeface="Arial"/>
+            </a:endParaRPr>
+          </a:p>
+          <a:p>
+            <a:pPr algn="ctr">
+              <a:lnSpc>
+                <a:spcPct val="100000"/>
+              </a:lnSpc>
+              <a:spcBef>
+                <a:spcPts val="850"/>
+              </a:spcBef>
+              <a:buNone/>
+              <a:tabLst>
+                <a:tab algn="l" pos="408240"/>
+              </a:tabLst>
+            </a:pPr>
+            <a:endParaRPr b="0" lang="en-US" sz="2000" spc="-1" strike="noStrike">
+              <a:latin typeface="Arial"/>
+            </a:endParaRPr>
+          </a:p>
+          <a:p>
+            <a:pPr algn="ctr">
+              <a:lnSpc>
+                <a:spcPct val="100000"/>
+              </a:lnSpc>
+              <a:spcBef>
+                <a:spcPts val="850"/>
+              </a:spcBef>
+              <a:buNone/>
+              <a:tabLst>
+                <a:tab algn="l" pos="408240"/>
+              </a:tabLst>
+            </a:pPr>
+            <a:r>
+              <a:rPr b="0" lang="en-US" sz="1800" spc="-1" strike="noStrike">
+                <a:solidFill>
+                  <a:srgbClr val="000000"/>
+                </a:solidFill>
+                <a:latin typeface="Arial"/>
+                <a:ea typeface="DejaVu Sans"/>
+              </a:rPr>
+              <a:t>- Collections </a:t>
+            </a:r>
+            <a:endParaRPr b="0" lang="en-US" sz="1800" spc="-1" strike="noStrike">
+              <a:latin typeface="Arial"/>
+            </a:endParaRPr>
+          </a:p>
+          <a:p>
+            <a:pPr algn="ctr">
+              <a:lnSpc>
+                <a:spcPct val="100000"/>
+              </a:lnSpc>
+              <a:spcBef>
+                <a:spcPts val="850"/>
+              </a:spcBef>
+              <a:buNone/>
+              <a:tabLst>
+                <a:tab algn="l" pos="408240"/>
+              </a:tabLst>
+            </a:pPr>
+            <a:r>
+              <a:rPr b="0" lang="en-US" sz="1800" spc="-1" strike="noStrike">
+                <a:solidFill>
+                  <a:srgbClr val="000000"/>
+                </a:solidFill>
+                <a:latin typeface="Arial"/>
+                <a:ea typeface="DejaVu Sans"/>
+              </a:rPr>
+              <a:t>- Databases</a:t>
+            </a:r>
+            <a:endParaRPr b="0" lang="en-US" sz="1800" spc="-1" strike="noStrike">
+              <a:latin typeface="Arial"/>
+            </a:endParaRPr>
+          </a:p>
+          <a:p>
+            <a:pPr algn="ctr">
+              <a:lnSpc>
+                <a:spcPct val="100000"/>
+              </a:lnSpc>
+              <a:spcBef>
+                <a:spcPts val="850"/>
+              </a:spcBef>
+              <a:buNone/>
+              <a:tabLst>
+                <a:tab algn="l" pos="408240"/>
+              </a:tabLst>
+            </a:pPr>
+            <a:r>
+              <a:rPr b="0" lang="en-US" sz="1800" spc="-1" strike="noStrike">
+                <a:solidFill>
+                  <a:srgbClr val="000000"/>
+                </a:solidFill>
+                <a:latin typeface="Arial"/>
+                <a:ea typeface="DejaVu Sans"/>
+              </a:rPr>
+              <a:t>- Deployments</a:t>
+            </a:r>
+            <a:endParaRPr b="0" lang="en-US" sz="1800" spc="-1" strike="noStrike">
+              <a:latin typeface="Arial"/>
+            </a:endParaRPr>
+          </a:p>
+        </p:txBody>
+      </p:sp>
     </p:spTree>
   </p:cSld>
   <mc:AlternateContent>
@@ -6381,7 +7649,7 @@
         <p:spPr>
           <a:xfrm>
             <a:off x="1829160" y="1143000"/>
-            <a:ext cx="6855120" cy="3854880"/>
+            <a:ext cx="6854400" cy="3854160"/>
           </a:xfrm>
           <a:prstGeom prst="rect">
             <a:avLst/>
@@ -6404,7 +7672,737 @@
         <p:spPr>
           <a:xfrm>
             <a:off x="7830720" y="457200"/>
-            <a:ext cx="1768680" cy="1768680"/>
+            <a:ext cx="1767960" cy="1767960"/>
+          </a:xfrm>
+          <a:prstGeom prst="rect">
+            <a:avLst/>
+          </a:prstGeom>
+          <a:ln w="0">
+            <a:noFill/>
+          </a:ln>
+        </p:spPr>
+      </p:pic>
+    </p:spTree>
+  </p:cSld>
+  <mc:AlternateContent>
+    <mc:Choice Requires="p14">
+      <p:transition spd="slow" p14:dur="2000"/>
+    </mc:Choice>
+    <mc:Fallback>
+      <p:transition spd="slow"/>
+    </mc:Fallback>
+  </mc:AlternateContent>
+</p:sld>
+</file>
+
+<file path=ppt/slides/slide30.xml><?xml version="1.0" encoding="utf-8"?>
+<p:sld xmlns:a="http://schemas.openxmlformats.org/drawingml/2006/main" xmlns:p="http://schemas.openxmlformats.org/presentationml/2006/main" xmlns:r="http://schemas.openxmlformats.org/officeDocument/2006/relationships" xmlns:p14="http://schemas.microsoft.com/office/powerpoint/2010/main" xmlns:p15="http://schemas.microsoft.com/office/powerpoint/2012/main" xmlns:mc="http://schemas.openxmlformats.org/markup-compatibility/2006">
+  <p:cSld>
+    <p:bg>
+      <p:bgPr>
+        <a:blipFill rotWithShape="0">
+          <a:blip r:embed="rId1"/>
+          <a:stretch/>
+        </a:blipFill>
+      </p:bgPr>
+    </p:bg>
+    <p:spTree>
+      <p:nvGrpSpPr>
+        <p:cNvPr id="1" name=""/>
+        <p:cNvGrpSpPr/>
+        <p:nvPr/>
+      </p:nvGrpSpPr>
+      <p:grpSpPr>
+        <a:xfrm>
+          <a:off x="0" y="0"/>
+          <a:ext cx="0" cy="0"/>
+          <a:chOff x="0" y="0"/>
+          <a:chExt cx="0" cy="0"/>
+        </a:xfrm>
+      </p:grpSpPr>
+      <p:sp>
+        <p:nvSpPr>
+          <p:cNvPr id="149" name=""/>
+          <p:cNvSpPr/>
+          <p:nvPr/>
+        </p:nvSpPr>
+        <p:spPr>
+          <a:xfrm>
+            <a:off x="510480" y="834120"/>
+            <a:ext cx="9055800" cy="3275280"/>
+          </a:xfrm>
+          <a:prstGeom prst="rect">
+            <a:avLst/>
+          </a:prstGeom>
+          <a:noFill/>
+          <a:ln w="0">
+            <a:noFill/>
+          </a:ln>
+        </p:spPr>
+        <p:style>
+          <a:lnRef idx="0"/>
+          <a:fillRef idx="0"/>
+          <a:effectRef idx="0"/>
+          <a:fontRef idx="minor"/>
+        </p:style>
+        <p:txBody>
+          <a:bodyPr lIns="0" rIns="0" tIns="0" bIns="0" anchor="t">
+            <a:normAutofit/>
+          </a:bodyPr>
+          <a:p>
+            <a:pPr>
+              <a:lnSpc>
+                <a:spcPct val="100000"/>
+              </a:lnSpc>
+              <a:spcBef>
+                <a:spcPts val="1417"/>
+              </a:spcBef>
+              <a:buNone/>
+              <a:tabLst>
+                <a:tab algn="l" pos="408240"/>
+              </a:tabLst>
+            </a:pPr>
+            <a:endParaRPr b="0" lang="en-US" sz="1800" spc="-1" strike="noStrike">
+              <a:latin typeface="Arial"/>
+            </a:endParaRPr>
+          </a:p>
+          <a:p>
+            <a:pPr algn="ctr">
+              <a:lnSpc>
+                <a:spcPct val="100000"/>
+              </a:lnSpc>
+              <a:spcBef>
+                <a:spcPts val="850"/>
+              </a:spcBef>
+              <a:buNone/>
+              <a:tabLst>
+                <a:tab algn="l" pos="408240"/>
+              </a:tabLst>
+            </a:pPr>
+            <a:r>
+              <a:rPr b="0" lang="en-US" sz="3200" spc="-1" strike="noStrike">
+                <a:solidFill>
+                  <a:srgbClr val="000000"/>
+                </a:solidFill>
+                <a:latin typeface="Arial"/>
+                <a:ea typeface="DejaVu Sans"/>
+              </a:rPr>
+              <a:t>Indices</a:t>
+            </a:r>
+            <a:br>
+              <a:rPr sz="3200"/>
+            </a:br>
+            <a:r>
+              <a:rPr b="0" lang="en-US" sz="2000" spc="-1" strike="noStrike">
+                <a:solidFill>
+                  <a:srgbClr val="000000"/>
+                </a:solidFill>
+                <a:latin typeface="Arial"/>
+                <a:ea typeface="DejaVu Sans"/>
+              </a:rPr>
+              <a:t>Optimize and put constraints on queries </a:t>
+            </a:r>
+            <a:endParaRPr b="0" lang="en-US" sz="2000" spc="-1" strike="noStrike">
+              <a:latin typeface="Arial"/>
+            </a:endParaRPr>
+          </a:p>
+          <a:p>
+            <a:pPr algn="ctr">
+              <a:lnSpc>
+                <a:spcPct val="100000"/>
+              </a:lnSpc>
+              <a:spcBef>
+                <a:spcPts val="850"/>
+              </a:spcBef>
+              <a:buNone/>
+              <a:tabLst>
+                <a:tab algn="l" pos="408240"/>
+              </a:tabLst>
+            </a:pPr>
+            <a:endParaRPr b="0" lang="en-US" sz="1800" spc="-1" strike="noStrike">
+              <a:latin typeface="Arial"/>
+            </a:endParaRPr>
+          </a:p>
+        </p:txBody>
+      </p:sp>
+      <p:pic>
+        <p:nvPicPr>
+          <p:cNvPr id="150" name="" descr=""/>
+          <p:cNvPicPr/>
+          <p:nvPr/>
+        </p:nvPicPr>
+        <p:blipFill>
+          <a:blip r:embed="rId2"/>
+          <a:stretch/>
+        </p:blipFill>
+        <p:spPr>
+          <a:xfrm>
+            <a:off x="2743200" y="2277720"/>
+            <a:ext cx="4568400" cy="3205080"/>
+          </a:xfrm>
+          <a:prstGeom prst="rect">
+            <a:avLst/>
+          </a:prstGeom>
+          <a:ln w="0">
+            <a:noFill/>
+          </a:ln>
+        </p:spPr>
+      </p:pic>
+    </p:spTree>
+  </p:cSld>
+  <mc:AlternateContent>
+    <mc:Choice Requires="p14">
+      <p:transition spd="slow" p14:dur="2000"/>
+    </mc:Choice>
+    <mc:Fallback>
+      <p:transition spd="slow"/>
+    </mc:Fallback>
+  </mc:AlternateContent>
+</p:sld>
+</file>
+
+<file path=ppt/slides/slide31.xml><?xml version="1.0" encoding="utf-8"?>
+<p:sld xmlns:a="http://schemas.openxmlformats.org/drawingml/2006/main" xmlns:p="http://schemas.openxmlformats.org/presentationml/2006/main" xmlns:r="http://schemas.openxmlformats.org/officeDocument/2006/relationships" xmlns:p14="http://schemas.microsoft.com/office/powerpoint/2010/main" xmlns:p15="http://schemas.microsoft.com/office/powerpoint/2012/main" xmlns:mc="http://schemas.openxmlformats.org/markup-compatibility/2006">
+  <p:cSld>
+    <p:bg>
+      <p:bgPr>
+        <a:blipFill rotWithShape="0">
+          <a:blip r:embed="rId1"/>
+          <a:stretch/>
+        </a:blipFill>
+      </p:bgPr>
+    </p:bg>
+    <p:spTree>
+      <p:nvGrpSpPr>
+        <p:cNvPr id="1" name=""/>
+        <p:cNvGrpSpPr/>
+        <p:nvPr/>
+      </p:nvGrpSpPr>
+      <p:grpSpPr>
+        <a:xfrm>
+          <a:off x="0" y="0"/>
+          <a:ext cx="0" cy="0"/>
+          <a:chOff x="0" y="0"/>
+          <a:chExt cx="0" cy="0"/>
+        </a:xfrm>
+      </p:grpSpPr>
+      <p:sp>
+        <p:nvSpPr>
+          <p:cNvPr id="151" name=""/>
+          <p:cNvSpPr/>
+          <p:nvPr/>
+        </p:nvSpPr>
+        <p:spPr>
+          <a:xfrm>
+            <a:off x="503640" y="1326240"/>
+            <a:ext cx="9055800" cy="3275280"/>
+          </a:xfrm>
+          <a:prstGeom prst="rect">
+            <a:avLst/>
+          </a:prstGeom>
+          <a:noFill/>
+          <a:ln w="0">
+            <a:noFill/>
+          </a:ln>
+        </p:spPr>
+        <p:style>
+          <a:lnRef idx="0"/>
+          <a:fillRef idx="0"/>
+          <a:effectRef idx="0"/>
+          <a:fontRef idx="minor"/>
+        </p:style>
+        <p:txBody>
+          <a:bodyPr lIns="0" rIns="0" tIns="0" bIns="0" anchor="t">
+            <a:normAutofit fontScale="99000"/>
+          </a:bodyPr>
+          <a:p>
+            <a:pPr>
+              <a:lnSpc>
+                <a:spcPct val="100000"/>
+              </a:lnSpc>
+              <a:spcBef>
+                <a:spcPts val="1417"/>
+              </a:spcBef>
+              <a:buNone/>
+              <a:tabLst>
+                <a:tab algn="l" pos="408240"/>
+              </a:tabLst>
+            </a:pPr>
+            <a:endParaRPr b="0" lang="en-US" sz="1800" spc="-1" strike="noStrike">
+              <a:latin typeface="Arial"/>
+            </a:endParaRPr>
+          </a:p>
+          <a:p>
+            <a:pPr algn="ctr">
+              <a:lnSpc>
+                <a:spcPct val="100000"/>
+              </a:lnSpc>
+              <a:spcBef>
+                <a:spcPts val="1417"/>
+              </a:spcBef>
+              <a:buNone/>
+              <a:tabLst>
+                <a:tab algn="l" pos="408240"/>
+              </a:tabLst>
+            </a:pPr>
+            <a:r>
+              <a:rPr b="0" lang="en-US" sz="3200" spc="-1" strike="noStrike">
+                <a:solidFill>
+                  <a:srgbClr val="000000"/>
+                </a:solidFill>
+                <a:latin typeface="Arial"/>
+                <a:ea typeface="DejaVu Sans"/>
+              </a:rPr>
+              <a:t>Transactions</a:t>
+            </a:r>
+            <a:endParaRPr b="0" lang="en-US" sz="3200" spc="-1" strike="noStrike">
+              <a:latin typeface="Arial"/>
+            </a:endParaRPr>
+          </a:p>
+          <a:p>
+            <a:pPr algn="ctr">
+              <a:lnSpc>
+                <a:spcPct val="100000"/>
+              </a:lnSpc>
+              <a:spcBef>
+                <a:spcPts val="850"/>
+              </a:spcBef>
+              <a:buNone/>
+              <a:tabLst>
+                <a:tab algn="l" pos="408240"/>
+              </a:tabLst>
+            </a:pPr>
+            <a:r>
+              <a:rPr b="0" lang="en-US" sz="2000" spc="-1" strike="noStrike">
+                <a:solidFill>
+                  <a:srgbClr val="000000"/>
+                </a:solidFill>
+                <a:latin typeface="Arial"/>
+                <a:ea typeface="DejaVu Sans"/>
+              </a:rPr>
+              <a:t>Atomicity across multiple:</a:t>
+            </a:r>
+            <a:endParaRPr b="0" lang="en-US" sz="2000" spc="-1" strike="noStrike">
+              <a:latin typeface="Arial"/>
+            </a:endParaRPr>
+          </a:p>
+          <a:p>
+            <a:pPr algn="ctr">
+              <a:lnSpc>
+                <a:spcPct val="100000"/>
+              </a:lnSpc>
+              <a:spcBef>
+                <a:spcPts val="850"/>
+              </a:spcBef>
+              <a:buNone/>
+              <a:tabLst>
+                <a:tab algn="l" pos="408240"/>
+              </a:tabLst>
+            </a:pPr>
+            <a:endParaRPr b="0" lang="en-US" sz="2000" spc="-1" strike="noStrike">
+              <a:latin typeface="Arial"/>
+            </a:endParaRPr>
+          </a:p>
+          <a:p>
+            <a:pPr algn="ctr">
+              <a:lnSpc>
+                <a:spcPct val="100000"/>
+              </a:lnSpc>
+              <a:spcBef>
+                <a:spcPts val="850"/>
+              </a:spcBef>
+              <a:buNone/>
+              <a:tabLst>
+                <a:tab algn="l" pos="408240"/>
+              </a:tabLst>
+            </a:pPr>
+            <a:r>
+              <a:rPr b="0" lang="en-US" sz="1800" spc="-1" strike="noStrike">
+                <a:solidFill>
+                  <a:srgbClr val="000000"/>
+                </a:solidFill>
+                <a:latin typeface="Arial"/>
+                <a:ea typeface="DejaVu Sans"/>
+              </a:rPr>
+              <a:t>- Operations </a:t>
+            </a:r>
+            <a:endParaRPr b="0" lang="en-US" sz="1800" spc="-1" strike="noStrike">
+              <a:latin typeface="Arial"/>
+            </a:endParaRPr>
+          </a:p>
+          <a:p>
+            <a:pPr algn="ctr">
+              <a:lnSpc>
+                <a:spcPct val="100000"/>
+              </a:lnSpc>
+              <a:spcBef>
+                <a:spcPts val="850"/>
+              </a:spcBef>
+              <a:buNone/>
+              <a:tabLst>
+                <a:tab algn="l" pos="408240"/>
+              </a:tabLst>
+            </a:pPr>
+            <a:r>
+              <a:rPr b="0" lang="en-US" sz="1800" spc="-1" strike="noStrike">
+                <a:solidFill>
+                  <a:srgbClr val="000000"/>
+                </a:solidFill>
+                <a:latin typeface="Arial"/>
+                <a:ea typeface="DejaVu Sans"/>
+              </a:rPr>
+              <a:t>- Collections</a:t>
+            </a:r>
+            <a:endParaRPr b="0" lang="en-US" sz="1800" spc="-1" strike="noStrike">
+              <a:latin typeface="Arial"/>
+            </a:endParaRPr>
+          </a:p>
+          <a:p>
+            <a:pPr algn="ctr">
+              <a:lnSpc>
+                <a:spcPct val="100000"/>
+              </a:lnSpc>
+              <a:spcBef>
+                <a:spcPts val="850"/>
+              </a:spcBef>
+              <a:buNone/>
+              <a:tabLst>
+                <a:tab algn="l" pos="408240"/>
+              </a:tabLst>
+            </a:pPr>
+            <a:r>
+              <a:rPr b="0" lang="en-US" sz="1800" spc="-1" strike="noStrike">
+                <a:solidFill>
+                  <a:srgbClr val="000000"/>
+                </a:solidFill>
+                <a:latin typeface="Arial"/>
+                <a:ea typeface="DejaVu Sans"/>
+              </a:rPr>
+              <a:t>- Databases</a:t>
+            </a:r>
+            <a:endParaRPr b="0" lang="en-US" sz="1800" spc="-1" strike="noStrike">
+              <a:latin typeface="Arial"/>
+            </a:endParaRPr>
+          </a:p>
+          <a:p>
+            <a:pPr algn="ctr">
+              <a:lnSpc>
+                <a:spcPct val="100000"/>
+              </a:lnSpc>
+              <a:spcBef>
+                <a:spcPts val="850"/>
+              </a:spcBef>
+              <a:buNone/>
+              <a:tabLst>
+                <a:tab algn="l" pos="408240"/>
+              </a:tabLst>
+            </a:pPr>
+            <a:r>
+              <a:rPr b="0" lang="en-US" sz="1800" spc="-1" strike="noStrike">
+                <a:solidFill>
+                  <a:srgbClr val="000000"/>
+                </a:solidFill>
+                <a:latin typeface="Arial"/>
+                <a:ea typeface="DejaVu Sans"/>
+              </a:rPr>
+              <a:t>- Shards</a:t>
+            </a:r>
+            <a:endParaRPr b="0" lang="en-US" sz="1800" spc="-1" strike="noStrike">
+              <a:latin typeface="Arial"/>
+            </a:endParaRPr>
+          </a:p>
+        </p:txBody>
+      </p:sp>
+    </p:spTree>
+  </p:cSld>
+  <mc:AlternateContent>
+    <mc:Choice Requires="p14">
+      <p:transition spd="slow" p14:dur="2000"/>
+    </mc:Choice>
+    <mc:Fallback>
+      <p:transition spd="slow"/>
+    </mc:Fallback>
+  </mc:AlternateContent>
+</p:sld>
+</file>
+
+<file path=ppt/slides/slide32.xml><?xml version="1.0" encoding="utf-8"?>
+<p:sld xmlns:a="http://schemas.openxmlformats.org/drawingml/2006/main" xmlns:p="http://schemas.openxmlformats.org/presentationml/2006/main" xmlns:r="http://schemas.openxmlformats.org/officeDocument/2006/relationships" xmlns:p14="http://schemas.microsoft.com/office/powerpoint/2010/main" xmlns:p15="http://schemas.microsoft.com/office/powerpoint/2012/main" xmlns:mc="http://schemas.openxmlformats.org/markup-compatibility/2006">
+  <p:cSld>
+    <p:bg>
+      <p:bgPr>
+        <a:blipFill rotWithShape="0">
+          <a:blip r:embed="rId1"/>
+          <a:stretch/>
+        </a:blipFill>
+      </p:bgPr>
+    </p:bg>
+    <p:spTree>
+      <p:nvGrpSpPr>
+        <p:cNvPr id="1" name=""/>
+        <p:cNvGrpSpPr/>
+        <p:nvPr/>
+      </p:nvGrpSpPr>
+      <p:grpSpPr>
+        <a:xfrm>
+          <a:off x="0" y="0"/>
+          <a:ext cx="0" cy="0"/>
+          <a:chOff x="0" y="0"/>
+          <a:chExt cx="0" cy="0"/>
+        </a:xfrm>
+      </p:grpSpPr>
+      <p:sp>
+        <p:nvSpPr>
+          <p:cNvPr id="152" name=""/>
+          <p:cNvSpPr/>
+          <p:nvPr/>
+        </p:nvSpPr>
+        <p:spPr>
+          <a:xfrm>
+            <a:off x="503640" y="1326240"/>
+            <a:ext cx="9055800" cy="3275280"/>
+          </a:xfrm>
+          <a:prstGeom prst="rect">
+            <a:avLst/>
+          </a:prstGeom>
+          <a:noFill/>
+          <a:ln w="0">
+            <a:noFill/>
+          </a:ln>
+        </p:spPr>
+        <p:style>
+          <a:lnRef idx="0"/>
+          <a:fillRef idx="0"/>
+          <a:effectRef idx="0"/>
+          <a:fontRef idx="minor"/>
+        </p:style>
+        <p:txBody>
+          <a:bodyPr lIns="0" rIns="0" tIns="0" bIns="0" anchor="t">
+            <a:normAutofit/>
+          </a:bodyPr>
+          <a:p>
+            <a:pPr>
+              <a:lnSpc>
+                <a:spcPct val="100000"/>
+              </a:lnSpc>
+              <a:spcBef>
+                <a:spcPts val="1417"/>
+              </a:spcBef>
+              <a:buNone/>
+              <a:tabLst>
+                <a:tab algn="l" pos="408240"/>
+              </a:tabLst>
+            </a:pPr>
+            <a:endParaRPr b="0" lang="en-US" sz="1800" spc="-1" strike="noStrike">
+              <a:latin typeface="Arial"/>
+            </a:endParaRPr>
+          </a:p>
+          <a:p>
+            <a:pPr algn="ctr">
+              <a:lnSpc>
+                <a:spcPct val="100000"/>
+              </a:lnSpc>
+              <a:spcBef>
+                <a:spcPts val="850"/>
+              </a:spcBef>
+              <a:buNone/>
+              <a:tabLst>
+                <a:tab algn="l" pos="408240"/>
+              </a:tabLst>
+            </a:pPr>
+            <a:r>
+              <a:rPr b="0" lang="en-US" sz="3200" spc="-1" strike="noStrike">
+                <a:solidFill>
+                  <a:srgbClr val="000000"/>
+                </a:solidFill>
+                <a:latin typeface="Arial"/>
+                <a:ea typeface="DejaVu Sans"/>
+              </a:rPr>
+              <a:t>And more</a:t>
+            </a:r>
+            <a:endParaRPr b="0" lang="en-US" sz="3200" spc="-1" strike="noStrike">
+              <a:latin typeface="Arial"/>
+            </a:endParaRPr>
+          </a:p>
+          <a:p>
+            <a:pPr algn="ctr">
+              <a:lnSpc>
+                <a:spcPct val="100000"/>
+              </a:lnSpc>
+              <a:spcBef>
+                <a:spcPts val="850"/>
+              </a:spcBef>
+              <a:buNone/>
+              <a:tabLst>
+                <a:tab algn="l" pos="408240"/>
+              </a:tabLst>
+            </a:pPr>
+            <a:endParaRPr b="0" lang="en-US" sz="2000" spc="-1" strike="noStrike">
+              <a:latin typeface="Arial"/>
+            </a:endParaRPr>
+          </a:p>
+          <a:p>
+            <a:pPr algn="ctr">
+              <a:lnSpc>
+                <a:spcPct val="100000"/>
+              </a:lnSpc>
+              <a:spcBef>
+                <a:spcPts val="850"/>
+              </a:spcBef>
+              <a:buNone/>
+              <a:tabLst>
+                <a:tab algn="l" pos="408240"/>
+              </a:tabLst>
+            </a:pPr>
+            <a:r>
+              <a:rPr b="0" lang="en-US" sz="1800" spc="-1" strike="noStrike">
+                <a:solidFill>
+                  <a:srgbClr val="000000"/>
+                </a:solidFill>
+                <a:latin typeface="Arial"/>
+                <a:ea typeface="DejaVu Sans"/>
+              </a:rPr>
+              <a:t>- Document references</a:t>
+            </a:r>
+            <a:endParaRPr b="0" lang="en-US" sz="1800" spc="-1" strike="noStrike">
+              <a:latin typeface="Arial"/>
+            </a:endParaRPr>
+          </a:p>
+          <a:p>
+            <a:pPr algn="ctr">
+              <a:lnSpc>
+                <a:spcPct val="100000"/>
+              </a:lnSpc>
+              <a:spcBef>
+                <a:spcPts val="850"/>
+              </a:spcBef>
+              <a:buNone/>
+              <a:tabLst>
+                <a:tab algn="l" pos="408240"/>
+              </a:tabLst>
+            </a:pPr>
+            <a:r>
+              <a:rPr b="0" lang="en-US" sz="1800" spc="-1" strike="noStrike">
+                <a:solidFill>
+                  <a:srgbClr val="000000"/>
+                </a:solidFill>
+                <a:latin typeface="Arial"/>
+                <a:ea typeface="DejaVu Sans"/>
+              </a:rPr>
+              <a:t>- Time series</a:t>
+            </a:r>
+            <a:endParaRPr b="0" lang="en-US" sz="1800" spc="-1" strike="noStrike">
+              <a:latin typeface="Arial"/>
+            </a:endParaRPr>
+          </a:p>
+          <a:p>
+            <a:pPr algn="ctr">
+              <a:lnSpc>
+                <a:spcPct val="100000"/>
+              </a:lnSpc>
+              <a:spcBef>
+                <a:spcPts val="850"/>
+              </a:spcBef>
+              <a:buNone/>
+              <a:tabLst>
+                <a:tab algn="l" pos="408240"/>
+              </a:tabLst>
+            </a:pPr>
+            <a:r>
+              <a:rPr b="0" lang="en-US" sz="1800" spc="-1" strike="noStrike">
+                <a:solidFill>
+                  <a:srgbClr val="000000"/>
+                </a:solidFill>
+                <a:latin typeface="Arial"/>
+                <a:ea typeface="DejaVu Sans"/>
+              </a:rPr>
+              <a:t>- Tree structures</a:t>
+            </a:r>
+            <a:endParaRPr b="0" lang="en-US" sz="1800" spc="-1" strike="noStrike">
+              <a:latin typeface="Arial"/>
+            </a:endParaRPr>
+          </a:p>
+          <a:p>
+            <a:pPr algn="ctr">
+              <a:lnSpc>
+                <a:spcPct val="100000"/>
+              </a:lnSpc>
+              <a:spcBef>
+                <a:spcPts val="850"/>
+              </a:spcBef>
+              <a:buNone/>
+              <a:tabLst>
+                <a:tab algn="l" pos="408240"/>
+              </a:tabLst>
+            </a:pPr>
+            <a:r>
+              <a:rPr b="0" lang="en-US" sz="1800" spc="-1" strike="noStrike">
+                <a:solidFill>
+                  <a:srgbClr val="000000"/>
+                </a:solidFill>
+                <a:latin typeface="Arial"/>
+                <a:ea typeface="DejaVu Sans"/>
+              </a:rPr>
+              <a:t>- Etc.</a:t>
+            </a:r>
+            <a:endParaRPr b="0" lang="en-US" sz="1800" spc="-1" strike="noStrike">
+              <a:latin typeface="Arial"/>
+            </a:endParaRPr>
+          </a:p>
+        </p:txBody>
+      </p:sp>
+    </p:spTree>
+  </p:cSld>
+  <mc:AlternateContent>
+    <mc:Choice Requires="p14">
+      <p:transition spd="slow" p14:dur="2000"/>
+    </mc:Choice>
+    <mc:Fallback>
+      <p:transition spd="slow"/>
+    </mc:Fallback>
+  </mc:AlternateContent>
+</p:sld>
+</file>
+
+<file path=ppt/slides/slide33.xml><?xml version="1.0" encoding="utf-8"?>
+<p:sld xmlns:a="http://schemas.openxmlformats.org/drawingml/2006/main" xmlns:p="http://schemas.openxmlformats.org/presentationml/2006/main" xmlns:r="http://schemas.openxmlformats.org/officeDocument/2006/relationships" xmlns:p14="http://schemas.microsoft.com/office/powerpoint/2010/main" xmlns:p15="http://schemas.microsoft.com/office/powerpoint/2012/main" xmlns:mc="http://schemas.openxmlformats.org/markup-compatibility/2006">
+  <p:cSld>
+    <p:bg>
+      <p:bgPr>
+        <a:blipFill rotWithShape="0">
+          <a:blip r:embed="rId1"/>
+          <a:stretch/>
+        </a:blipFill>
+      </p:bgPr>
+    </p:bg>
+    <p:spTree>
+      <p:nvGrpSpPr>
+        <p:cNvPr id="1" name=""/>
+        <p:cNvGrpSpPr/>
+        <p:nvPr/>
+      </p:nvGrpSpPr>
+      <p:grpSpPr>
+        <a:xfrm>
+          <a:off x="0" y="0"/>
+          <a:ext cx="0" cy="0"/>
+          <a:chOff x="0" y="0"/>
+          <a:chExt cx="0" cy="0"/>
+        </a:xfrm>
+      </p:grpSpPr>
+      <p:pic>
+        <p:nvPicPr>
+          <p:cNvPr id="153" name="" descr=""/>
+          <p:cNvPicPr/>
+          <p:nvPr/>
+        </p:nvPicPr>
+        <p:blipFill>
+          <a:blip r:embed="rId2"/>
+          <a:stretch/>
+        </p:blipFill>
+        <p:spPr>
+          <a:xfrm>
+            <a:off x="3886200" y="1828800"/>
+            <a:ext cx="2053800" cy="2053800"/>
           </a:xfrm>
           <a:prstGeom prst="rect">
             <a:avLst/>
@@ -6465,7 +8463,7 @@
         <p:spPr>
           <a:xfrm>
             <a:off x="3629520" y="714600"/>
-            <a:ext cx="3455280" cy="4541400"/>
+            <a:ext cx="3454560" cy="4540680"/>
           </a:xfrm>
           <a:prstGeom prst="rect">
             <a:avLst/>
@@ -6522,7 +8520,7 @@
         <p:spPr>
           <a:xfrm>
             <a:off x="457200" y="1318320"/>
-            <a:ext cx="9055800" cy="3275280"/>
+            <a:ext cx="9055080" cy="3274560"/>
           </a:xfrm>
           <a:prstGeom prst="rect">
             <a:avLst/>
@@ -6698,7 +8696,7 @@
         <p:spPr>
           <a:xfrm>
             <a:off x="3932640" y="2514600"/>
-            <a:ext cx="2008080" cy="454320"/>
+            <a:ext cx="2007360" cy="453600"/>
           </a:xfrm>
           <a:prstGeom prst="rect">
             <a:avLst/>
@@ -6791,7 +8789,7 @@
         <p:spPr>
           <a:xfrm>
             <a:off x="503640" y="225720"/>
-            <a:ext cx="9055800" cy="933840"/>
+            <a:ext cx="9055080" cy="933120"/>
           </a:xfrm>
           <a:prstGeom prst="rect">
             <a:avLst/>
@@ -6817,7 +8815,7 @@
         <p:spPr>
           <a:xfrm>
             <a:off x="503640" y="1326240"/>
-            <a:ext cx="9055800" cy="3275280"/>
+            <a:ext cx="9055080" cy="3274560"/>
           </a:xfrm>
           <a:prstGeom prst="rect">
             <a:avLst/>
@@ -6950,7 +8948,7 @@
         <p:spPr>
           <a:xfrm>
             <a:off x="1142280" y="2142720"/>
-            <a:ext cx="3648960" cy="1963800"/>
+            <a:ext cx="3648240" cy="1963080"/>
           </a:xfrm>
           <a:prstGeom prst="rect">
             <a:avLst/>
@@ -6973,7 +8971,7 @@
         <p:spPr>
           <a:xfrm>
             <a:off x="5255640" y="2142720"/>
-            <a:ext cx="3648960" cy="1963800"/>
+            <a:ext cx="3648240" cy="1963080"/>
           </a:xfrm>
           <a:prstGeom prst="rect">
             <a:avLst/>
@@ -7030,7 +9028,7 @@
         <p:spPr>
           <a:xfrm>
             <a:off x="503640" y="225720"/>
-            <a:ext cx="9055800" cy="933840"/>
+            <a:ext cx="9055080" cy="933120"/>
           </a:xfrm>
           <a:prstGeom prst="rect">
             <a:avLst/>
@@ -7056,7 +9054,7 @@
         <p:spPr>
           <a:xfrm>
             <a:off x="503640" y="1326240"/>
-            <a:ext cx="9055800" cy="3275280"/>
+            <a:ext cx="9055080" cy="3274560"/>
           </a:xfrm>
           <a:prstGeom prst="rect">
             <a:avLst/>
@@ -7188,8 +9186,8 @@
         </p:blipFill>
         <p:spPr>
           <a:xfrm>
-            <a:off x="2970360" y="1117080"/>
-            <a:ext cx="3879000" cy="4311720"/>
+            <a:off x="2971800" y="1143000"/>
+            <a:ext cx="3913920" cy="3913920"/>
           </a:xfrm>
           <a:prstGeom prst="rect">
             <a:avLst/>
@@ -7246,7 +9244,7 @@
         <p:spPr>
           <a:xfrm>
             <a:off x="503640" y="225720"/>
-            <a:ext cx="9055800" cy="933840"/>
+            <a:ext cx="9055080" cy="933120"/>
           </a:xfrm>
           <a:prstGeom prst="rect">
             <a:avLst/>
@@ -7272,7 +9270,7 @@
         <p:spPr>
           <a:xfrm>
             <a:off x="503640" y="1326240"/>
-            <a:ext cx="9055800" cy="3275280"/>
+            <a:ext cx="9055080" cy="3274560"/>
           </a:xfrm>
           <a:prstGeom prst="rect">
             <a:avLst/>
@@ -7405,7 +9403,7 @@
         <p:spPr>
           <a:xfrm>
             <a:off x="2970360" y="1117080"/>
-            <a:ext cx="3879000" cy="4311720"/>
+            <a:ext cx="3878280" cy="4311000"/>
           </a:xfrm>
           <a:prstGeom prst="rect">
             <a:avLst/>
@@ -7415,316 +9413,6 @@
           </a:ln>
         </p:spPr>
       </p:pic>
-      <p:sp>
-        <p:nvSpPr>
-          <p:cNvPr id="94" name=""/>
-          <p:cNvSpPr/>
-          <p:nvPr/>
-        </p:nvSpPr>
-        <p:spPr>
-          <a:xfrm>
-            <a:off x="2057400" y="2514600"/>
-            <a:ext cx="1368720" cy="455400"/>
-          </a:xfrm>
-          <a:prstGeom prst="wedgeRoundRectCallout">
-            <a:avLst>
-              <a:gd name="adj1" fmla="val 80777"/>
-              <a:gd name="adj2" fmla="val -75649"/>
-              <a:gd name="adj3" fmla="val 16667"/>
-            </a:avLst>
-          </a:prstGeom>
-          <a:solidFill>
-            <a:srgbClr val="729fcf"/>
-          </a:solidFill>
-          <a:ln w="0">
-            <a:solidFill>
-              <a:srgbClr val="3465a4"/>
-            </a:solidFill>
-          </a:ln>
-        </p:spPr>
-        <p:style>
-          <a:lnRef idx="0"/>
-          <a:fillRef idx="0"/>
-          <a:effectRef idx="0"/>
-          <a:fontRef idx="minor"/>
-        </p:style>
-        <p:txBody>
-          <a:bodyPr lIns="90000" rIns="90000" tIns="45000" bIns="45000" anchor="ctr">
-            <a:noAutofit/>
-          </a:bodyPr>
-          <a:p>
-            <a:pPr algn="ctr">
-              <a:lnSpc>
-                <a:spcPct val="100000"/>
-              </a:lnSpc>
-              <a:buNone/>
-            </a:pPr>
-            <a:r>
-              <a:rPr b="0" lang="en-US" sz="1800" spc="-1" strike="noStrike">
-                <a:solidFill>
-                  <a:srgbClr val="000000"/>
-                </a:solidFill>
-                <a:latin typeface="Arial"/>
-                <a:ea typeface="DejaVu Sans"/>
-              </a:rPr>
-              <a:t>Key/Value</a:t>
-            </a:r>
-            <a:endParaRPr b="0" lang="en-US" sz="1800" spc="-1" strike="noStrike">
-              <a:latin typeface="Arial"/>
-            </a:endParaRPr>
-          </a:p>
-        </p:txBody>
-      </p:sp>
-      <p:sp>
-        <p:nvSpPr>
-          <p:cNvPr id="95" name=""/>
-          <p:cNvSpPr/>
-          <p:nvPr/>
-        </p:nvSpPr>
-        <p:spPr>
-          <a:xfrm>
-            <a:off x="6629400" y="1828800"/>
-            <a:ext cx="2054520" cy="454320"/>
-          </a:xfrm>
-          <a:prstGeom prst="wedgeRoundRectCallout">
-            <a:avLst>
-              <a:gd name="adj1" fmla="val -123703"/>
-              <a:gd name="adj2" fmla="val 65810"/>
-              <a:gd name="adj3" fmla="val 16667"/>
-            </a:avLst>
-          </a:prstGeom>
-          <a:solidFill>
-            <a:srgbClr val="729fcf"/>
-          </a:solidFill>
-          <a:ln w="0">
-            <a:solidFill>
-              <a:srgbClr val="3465a4"/>
-            </a:solidFill>
-          </a:ln>
-        </p:spPr>
-        <p:style>
-          <a:lnRef idx="0"/>
-          <a:fillRef idx="0"/>
-          <a:effectRef idx="0"/>
-          <a:fontRef idx="minor"/>
-        </p:style>
-        <p:txBody>
-          <a:bodyPr lIns="90000" rIns="90000" tIns="45000" bIns="45000" anchor="ctr">
-            <a:noAutofit/>
-          </a:bodyPr>
-          <a:p>
-            <a:pPr algn="ctr">
-              <a:lnSpc>
-                <a:spcPct val="100000"/>
-              </a:lnSpc>
-              <a:buNone/>
-            </a:pPr>
-            <a:r>
-              <a:rPr b="0" lang="en-US" sz="1800" spc="-1" strike="noStrike">
-                <a:solidFill>
-                  <a:srgbClr val="000000"/>
-                </a:solidFill>
-                <a:latin typeface="Arial"/>
-                <a:ea typeface="DejaVu Sans"/>
-              </a:rPr>
-              <a:t>String/Num/Bool</a:t>
-            </a:r>
-            <a:endParaRPr b="0" lang="en-US" sz="1800" spc="-1" strike="noStrike">
-              <a:latin typeface="Arial"/>
-            </a:endParaRPr>
-          </a:p>
-        </p:txBody>
-      </p:sp>
-      <p:sp>
-        <p:nvSpPr>
-          <p:cNvPr id="96" name=""/>
-          <p:cNvSpPr/>
-          <p:nvPr/>
-        </p:nvSpPr>
-        <p:spPr>
-          <a:xfrm>
-            <a:off x="6629400" y="2514600"/>
-            <a:ext cx="2054520" cy="454320"/>
-          </a:xfrm>
-          <a:prstGeom prst="wedgeRoundRectCallout">
-            <a:avLst>
-              <a:gd name="adj1" fmla="val -117087"/>
-              <a:gd name="adj2" fmla="val 30643"/>
-              <a:gd name="adj3" fmla="val 16667"/>
-            </a:avLst>
-          </a:prstGeom>
-          <a:solidFill>
-            <a:srgbClr val="729fcf"/>
-          </a:solidFill>
-          <a:ln w="0">
-            <a:solidFill>
-              <a:srgbClr val="3465a4"/>
-            </a:solidFill>
-          </a:ln>
-        </p:spPr>
-        <p:style>
-          <a:lnRef idx="0"/>
-          <a:fillRef idx="0"/>
-          <a:effectRef idx="0"/>
-          <a:fontRef idx="minor"/>
-        </p:style>
-        <p:txBody>
-          <a:bodyPr lIns="90000" rIns="90000" tIns="45000" bIns="45000" anchor="ctr">
-            <a:noAutofit/>
-          </a:bodyPr>
-          <a:p>
-            <a:pPr algn="ctr">
-              <a:lnSpc>
-                <a:spcPct val="100000"/>
-              </a:lnSpc>
-              <a:buNone/>
-            </a:pPr>
-            <a:r>
-              <a:rPr b="0" lang="en-US" sz="1800" spc="-1" strike="noStrike">
-                <a:solidFill>
-                  <a:srgbClr val="000000"/>
-                </a:solidFill>
-                <a:latin typeface="Arial"/>
-                <a:ea typeface="DejaVu Sans"/>
-              </a:rPr>
-              <a:t> </a:t>
-            </a:r>
-            <a:r>
-              <a:rPr b="0" lang="en-US" sz="1800" spc="-1" strike="noStrike">
-                <a:solidFill>
-                  <a:srgbClr val="000000"/>
-                </a:solidFill>
-                <a:latin typeface="Arial"/>
-                <a:ea typeface="DejaVu Sans"/>
-              </a:rPr>
-              <a:t>Array</a:t>
-            </a:r>
-            <a:endParaRPr b="0" lang="en-US" sz="1800" spc="-1" strike="noStrike">
-              <a:latin typeface="Arial"/>
-            </a:endParaRPr>
-          </a:p>
-        </p:txBody>
-      </p:sp>
-      <p:sp>
-        <p:nvSpPr>
-          <p:cNvPr id="97" name=""/>
-          <p:cNvSpPr/>
-          <p:nvPr/>
-        </p:nvSpPr>
-        <p:spPr>
-          <a:xfrm>
-            <a:off x="6629400" y="3200400"/>
-            <a:ext cx="2054520" cy="454320"/>
-          </a:xfrm>
-          <a:prstGeom prst="wedgeRoundRectCallout">
-            <a:avLst>
-              <a:gd name="adj1" fmla="val -170310"/>
-              <a:gd name="adj2" fmla="val 69037"/>
-              <a:gd name="adj3" fmla="val 16667"/>
-            </a:avLst>
-          </a:prstGeom>
-          <a:solidFill>
-            <a:srgbClr val="729fcf"/>
-          </a:solidFill>
-          <a:ln w="0">
-            <a:solidFill>
-              <a:srgbClr val="3465a4"/>
-            </a:solidFill>
-          </a:ln>
-        </p:spPr>
-        <p:style>
-          <a:lnRef idx="0"/>
-          <a:fillRef idx="0"/>
-          <a:effectRef idx="0"/>
-          <a:fontRef idx="minor"/>
-        </p:style>
-        <p:txBody>
-          <a:bodyPr lIns="90000" rIns="90000" tIns="45000" bIns="45000" anchor="ctr">
-            <a:noAutofit/>
-          </a:bodyPr>
-          <a:p>
-            <a:pPr algn="ctr">
-              <a:lnSpc>
-                <a:spcPct val="100000"/>
-              </a:lnSpc>
-              <a:buNone/>
-            </a:pPr>
-            <a:r>
-              <a:rPr b="0" lang="en-US" sz="1800" spc="-1" strike="noStrike">
-                <a:solidFill>
-                  <a:srgbClr val="000000"/>
-                </a:solidFill>
-                <a:latin typeface="Arial"/>
-                <a:ea typeface="DejaVu Sans"/>
-              </a:rPr>
-              <a:t>Object</a:t>
-            </a:r>
-            <a:endParaRPr b="0" lang="en-US" sz="1800" spc="-1" strike="noStrike">
-              <a:latin typeface="Arial"/>
-            </a:endParaRPr>
-          </a:p>
-        </p:txBody>
-      </p:sp>
-      <p:sp>
-        <p:nvSpPr>
-          <p:cNvPr id="98" name=""/>
-          <p:cNvSpPr/>
-          <p:nvPr/>
-        </p:nvSpPr>
-        <p:spPr>
-          <a:xfrm>
-            <a:off x="2057400" y="1828800"/>
-            <a:ext cx="1368720" cy="454320"/>
-          </a:xfrm>
-          <a:prstGeom prst="wedgeRoundRectCallout">
-            <a:avLst>
-              <a:gd name="adj1" fmla="val 70929"/>
-              <a:gd name="adj2" fmla="val 27602"/>
-              <a:gd name="adj3" fmla="val 16667"/>
-            </a:avLst>
-          </a:prstGeom>
-          <a:solidFill>
-            <a:srgbClr val="729fcf"/>
-          </a:solidFill>
-          <a:ln w="0">
-            <a:solidFill>
-              <a:srgbClr val="3465a4"/>
-            </a:solidFill>
-          </a:ln>
-        </p:spPr>
-        <p:style>
-          <a:lnRef idx="0"/>
-          <a:fillRef idx="0"/>
-          <a:effectRef idx="0"/>
-          <a:fontRef idx="minor"/>
-        </p:style>
-        <p:txBody>
-          <a:bodyPr lIns="90000" rIns="90000" tIns="45000" bIns="45000" anchor="ctr">
-            <a:noAutofit/>
-          </a:bodyPr>
-          <a:p>
-            <a:pPr algn="ctr">
-              <a:lnSpc>
-                <a:spcPct val="100000"/>
-              </a:lnSpc>
-              <a:buNone/>
-            </a:pPr>
-            <a:r>
-              <a:rPr b="0" lang="en-US" sz="1800" spc="-1" strike="noStrike">
-                <a:solidFill>
-                  <a:srgbClr val="000000"/>
-                </a:solidFill>
-                <a:latin typeface="Arial"/>
-                <a:ea typeface="DejaVu Sans"/>
-              </a:rPr>
-              <a:t>Root</a:t>
-            </a:r>
-            <a:endParaRPr b="0" lang="en-US" sz="1800" spc="-1" strike="noStrike">
-              <a:latin typeface="Arial"/>
-            </a:endParaRPr>
-          </a:p>
-        </p:txBody>
-      </p:sp>
     </p:spTree>
   </p:cSld>
   <mc:AlternateContent>
